--- a/Rokas_Sičiovas_Pristatymas.pptx
+++ b/Rokas_Sičiovas_Pristatymas.pptx
@@ -7,10 +7,10 @@
     <p:sldMasterId id="2147483707" r:id="rId3"/>
   </p:sldMasterIdLst>
   <p:notesMasterIdLst>
-    <p:notesMasterId r:id="rId19"/>
+    <p:notesMasterId r:id="rId18"/>
   </p:notesMasterIdLst>
   <p:handoutMasterIdLst>
-    <p:handoutMasterId r:id="rId20"/>
+    <p:handoutMasterId r:id="rId19"/>
   </p:handoutMasterIdLst>
   <p:sldIdLst>
     <p:sldId id="256" r:id="rId4"/>
@@ -23,11 +23,10 @@
     <p:sldId id="268" r:id="rId11"/>
     <p:sldId id="269" r:id="rId12"/>
     <p:sldId id="270" r:id="rId13"/>
-    <p:sldId id="274" r:id="rId14"/>
-    <p:sldId id="271" r:id="rId15"/>
-    <p:sldId id="272" r:id="rId16"/>
-    <p:sldId id="276" r:id="rId17"/>
-    <p:sldId id="277" r:id="rId18"/>
+    <p:sldId id="271" r:id="rId14"/>
+    <p:sldId id="272" r:id="rId15"/>
+    <p:sldId id="276" r:id="rId16"/>
+    <p:sldId id="277" r:id="rId17"/>
   </p:sldIdLst>
   <p:sldSz cx="12192000" cy="6858000"/>
   <p:notesSz cx="6858000" cy="9144000"/>
@@ -11320,6 +11319,90 @@
 </p:notesMaster>
 </file>
 
+<file path=ppt/notesSlides/notesSlide1.xml><?xml version="1.0" encoding="utf-8"?>
+<p:notes xmlns:a="http://schemas.openxmlformats.org/drawingml/2006/main" xmlns:r="http://schemas.openxmlformats.org/officeDocument/2006/relationships" xmlns:p="http://schemas.openxmlformats.org/presentationml/2006/main">
+  <p:cSld>
+    <p:spTree>
+      <p:nvGrpSpPr>
+        <p:cNvPr id="1" name=""/>
+        <p:cNvGrpSpPr/>
+        <p:nvPr/>
+      </p:nvGrpSpPr>
+      <p:grpSpPr>
+        <a:xfrm>
+          <a:off x="0" y="0"/>
+          <a:ext cx="0" cy="0"/>
+          <a:chOff x="0" y="0"/>
+          <a:chExt cx="0" cy="0"/>
+        </a:xfrm>
+      </p:grpSpPr>
+      <p:sp>
+        <p:nvSpPr>
+          <p:cNvPr id="2" name="Slide Image Placeholder 1"/>
+          <p:cNvSpPr>
+            <a:spLocks noGrp="1" noRot="1" noChangeAspect="1"/>
+          </p:cNvSpPr>
+          <p:nvPr>
+            <p:ph type="sldImg"/>
+          </p:nvPr>
+        </p:nvSpPr>
+        <p:spPr/>
+      </p:sp>
+      <p:sp>
+        <p:nvSpPr>
+          <p:cNvPr id="3" name="Notes Placeholder 2"/>
+          <p:cNvSpPr>
+            <a:spLocks noGrp="1"/>
+          </p:cNvSpPr>
+          <p:nvPr>
+            <p:ph type="body" idx="1"/>
+          </p:nvPr>
+        </p:nvSpPr>
+        <p:spPr/>
+        <p:txBody>
+          <a:bodyPr/>
+          <a:lstStyle/>
+          <a:p>
+            <a:endParaRPr lang="en-US" dirty="0"/>
+          </a:p>
+        </p:txBody>
+      </p:sp>
+      <p:sp>
+        <p:nvSpPr>
+          <p:cNvPr id="4" name="Slide Number Placeholder 3"/>
+          <p:cNvSpPr>
+            <a:spLocks noGrp="1"/>
+          </p:cNvSpPr>
+          <p:nvPr>
+            <p:ph type="sldNum" sz="quarter" idx="5"/>
+          </p:nvPr>
+        </p:nvSpPr>
+        <p:spPr/>
+        <p:txBody>
+          <a:bodyPr/>
+          <a:lstStyle/>
+          <a:p>
+            <a:fld id="{D6E41982-9C9C-C141-8575-EDABC0346C38}" type="slidenum">
+              <a:rPr lang="en-US" smtClean="0"/>
+              <a:t>5</a:t>
+            </a:fld>
+            <a:endParaRPr lang="en-US"/>
+          </a:p>
+        </p:txBody>
+      </p:sp>
+    </p:spTree>
+    <p:extLst>
+      <p:ext uri="{BB962C8B-B14F-4D97-AF65-F5344CB8AC3E}">
+        <p14:creationId xmlns:p14="http://schemas.microsoft.com/office/powerpoint/2010/main" val="3183241038"/>
+      </p:ext>
+    </p:extLst>
+  </p:cSld>
+  <p:clrMapOvr>
+    <a:masterClrMapping/>
+  </p:clrMapOvr>
+</p:notes>
+</file>
+
 <file path=ppt/slideLayouts/slideLayout1.xml><?xml version="1.0" encoding="utf-8"?>
 <p:sldLayout xmlns:a="http://schemas.openxmlformats.org/drawingml/2006/main" xmlns:r="http://schemas.openxmlformats.org/officeDocument/2006/relationships" xmlns:p="http://schemas.openxmlformats.org/presentationml/2006/main" preserve="1" userDrawn="1">
   <p:cSld name="Titulinė">
@@ -31563,469 +31646,6 @@
           <a:p>
             <a:r>
               <a:rPr lang="lt-LT" dirty="0"/>
-              <a:t>„Atlikti užsakymą“ sekų diagrama</a:t>
-            </a:r>
-            <a:endParaRPr lang="en-US" dirty="0"/>
-          </a:p>
-        </p:txBody>
-      </p:sp>
-      <p:pic>
-        <p:nvPicPr>
-          <p:cNvPr id="5" name="Picture 4">
-            <a:extLst>
-              <a:ext uri="{FF2B5EF4-FFF2-40B4-BE49-F238E27FC236}">
-                <a16:creationId xmlns:a16="http://schemas.microsoft.com/office/drawing/2014/main" id="{83B73673-4145-554C-BB27-F7144E19CFB9}"/>
-              </a:ext>
-            </a:extLst>
-          </p:cNvPr>
-          <p:cNvPicPr>
-            <a:picLocks noChangeAspect="1"/>
-          </p:cNvPicPr>
-          <p:nvPr/>
-        </p:nvPicPr>
-        <p:blipFill>
-          <a:blip r:embed="rId2"/>
-          <a:stretch>
-            <a:fillRect/>
-          </a:stretch>
-        </p:blipFill>
-        <p:spPr>
-          <a:xfrm>
-            <a:off x="0" y="1351225"/>
-            <a:ext cx="12192000" cy="190500"/>
-          </a:xfrm>
-          <a:prstGeom prst="rect">
-            <a:avLst/>
-          </a:prstGeom>
-        </p:spPr>
-      </p:pic>
-      <p:pic>
-        <p:nvPicPr>
-          <p:cNvPr id="6" name="Picture 5">
-            <a:extLst>
-              <a:ext uri="{FF2B5EF4-FFF2-40B4-BE49-F238E27FC236}">
-                <a16:creationId xmlns:a16="http://schemas.microsoft.com/office/drawing/2014/main" id="{B487F325-02EB-F242-B1D6-475FE32A770F}"/>
-              </a:ext>
-            </a:extLst>
-          </p:cNvPr>
-          <p:cNvPicPr>
-            <a:picLocks noChangeAspect="1"/>
-          </p:cNvPicPr>
-          <p:nvPr/>
-        </p:nvPicPr>
-        <p:blipFill>
-          <a:blip r:embed="rId3"/>
-          <a:stretch>
-            <a:fillRect/>
-          </a:stretch>
-        </p:blipFill>
-        <p:spPr>
-          <a:xfrm>
-            <a:off x="11163222" y="696316"/>
-            <a:ext cx="590985" cy="318475"/>
-          </a:xfrm>
-          <a:prstGeom prst="rect">
-            <a:avLst/>
-          </a:prstGeom>
-        </p:spPr>
-      </p:pic>
-      <p:sp>
-        <p:nvSpPr>
-          <p:cNvPr id="7" name="Slide Number Placeholder 3">
-            <a:extLst>
-              <a:ext uri="{FF2B5EF4-FFF2-40B4-BE49-F238E27FC236}">
-                <a16:creationId xmlns:a16="http://schemas.microsoft.com/office/drawing/2014/main" id="{F1B68A5B-BC1B-104C-B778-743D097D6A3F}"/>
-              </a:ext>
-            </a:extLst>
-          </p:cNvPr>
-          <p:cNvSpPr txBox="1">
-            <a:spLocks/>
-          </p:cNvSpPr>
-          <p:nvPr/>
-        </p:nvSpPr>
-        <p:spPr>
-          <a:xfrm>
-            <a:off x="11163044" y="6286367"/>
-            <a:ext cx="922601" cy="365125"/>
-          </a:xfrm>
-          <a:prstGeom prst="rect">
-            <a:avLst/>
-          </a:prstGeom>
-        </p:spPr>
-        <p:txBody>
-          <a:bodyPr anchor="b"/>
-          <a:lstStyle>
-            <a:defPPr>
-              <a:defRPr lang="en-US"/>
-            </a:defPPr>
-            <a:lvl1pPr marL="0" algn="r" defTabSz="914400" rtl="0" eaLnBrk="1" latinLnBrk="0" hangingPunct="1">
-              <a:defRPr sz="1500" b="1" i="0" kern="1200">
-                <a:solidFill>
-                  <a:schemeClr val="bg1"/>
-                </a:solidFill>
-                <a:latin typeface="Arial" panose="020B0604020202020204" pitchFamily="34" charset="0"/>
-                <a:ea typeface="+mn-ea"/>
-                <a:cs typeface="Arial" panose="020B0604020202020204" pitchFamily="34" charset="0"/>
-              </a:defRPr>
-            </a:lvl1pPr>
-            <a:lvl2pPr marL="457200" algn="l" defTabSz="914400" rtl="0" eaLnBrk="1" latinLnBrk="0" hangingPunct="1">
-              <a:defRPr sz="1800" kern="1200">
-                <a:solidFill>
-                  <a:schemeClr val="tx1"/>
-                </a:solidFill>
-                <a:latin typeface="+mn-lt"/>
-                <a:ea typeface="+mn-ea"/>
-                <a:cs typeface="+mn-cs"/>
-              </a:defRPr>
-            </a:lvl2pPr>
-            <a:lvl3pPr marL="914400" algn="l" defTabSz="914400" rtl="0" eaLnBrk="1" latinLnBrk="0" hangingPunct="1">
-              <a:defRPr sz="1800" kern="1200">
-                <a:solidFill>
-                  <a:schemeClr val="tx1"/>
-                </a:solidFill>
-                <a:latin typeface="+mn-lt"/>
-                <a:ea typeface="+mn-ea"/>
-                <a:cs typeface="+mn-cs"/>
-              </a:defRPr>
-            </a:lvl3pPr>
-            <a:lvl4pPr marL="1371600" algn="l" defTabSz="914400" rtl="0" eaLnBrk="1" latinLnBrk="0" hangingPunct="1">
-              <a:defRPr sz="1800" kern="1200">
-                <a:solidFill>
-                  <a:schemeClr val="tx1"/>
-                </a:solidFill>
-                <a:latin typeface="+mn-lt"/>
-                <a:ea typeface="+mn-ea"/>
-                <a:cs typeface="+mn-cs"/>
-              </a:defRPr>
-            </a:lvl4pPr>
-            <a:lvl5pPr marL="1828800" algn="l" defTabSz="914400" rtl="0" eaLnBrk="1" latinLnBrk="0" hangingPunct="1">
-              <a:defRPr sz="1800" kern="1200">
-                <a:solidFill>
-                  <a:schemeClr val="tx1"/>
-                </a:solidFill>
-                <a:latin typeface="+mn-lt"/>
-                <a:ea typeface="+mn-ea"/>
-                <a:cs typeface="+mn-cs"/>
-              </a:defRPr>
-            </a:lvl5pPr>
-            <a:lvl6pPr marL="2286000" algn="l" defTabSz="914400" rtl="0" eaLnBrk="1" latinLnBrk="0" hangingPunct="1">
-              <a:defRPr sz="1800" kern="1200">
-                <a:solidFill>
-                  <a:schemeClr val="tx1"/>
-                </a:solidFill>
-                <a:latin typeface="+mn-lt"/>
-                <a:ea typeface="+mn-ea"/>
-                <a:cs typeface="+mn-cs"/>
-              </a:defRPr>
-            </a:lvl6pPr>
-            <a:lvl7pPr marL="2743200" algn="l" defTabSz="914400" rtl="0" eaLnBrk="1" latinLnBrk="0" hangingPunct="1">
-              <a:defRPr sz="1800" kern="1200">
-                <a:solidFill>
-                  <a:schemeClr val="tx1"/>
-                </a:solidFill>
-                <a:latin typeface="+mn-lt"/>
-                <a:ea typeface="+mn-ea"/>
-                <a:cs typeface="+mn-cs"/>
-              </a:defRPr>
-            </a:lvl7pPr>
-            <a:lvl8pPr marL="3200400" algn="l" defTabSz="914400" rtl="0" eaLnBrk="1" latinLnBrk="0" hangingPunct="1">
-              <a:defRPr sz="1800" kern="1200">
-                <a:solidFill>
-                  <a:schemeClr val="tx1"/>
-                </a:solidFill>
-                <a:latin typeface="+mn-lt"/>
-                <a:ea typeface="+mn-ea"/>
-                <a:cs typeface="+mn-cs"/>
-              </a:defRPr>
-            </a:lvl8pPr>
-            <a:lvl9pPr marL="3657600" algn="l" defTabSz="914400" rtl="0" eaLnBrk="1" latinLnBrk="0" hangingPunct="1">
-              <a:defRPr sz="1800" kern="1200">
-                <a:solidFill>
-                  <a:schemeClr val="tx1"/>
-                </a:solidFill>
-                <a:latin typeface="+mn-lt"/>
-                <a:ea typeface="+mn-ea"/>
-                <a:cs typeface="+mn-cs"/>
-              </a:defRPr>
-            </a:lvl9pPr>
-          </a:lstStyle>
-          <a:p>
-            <a:pPr algn="ctr"/>
-            <a:fld id="{D6F01323-A656-431B-B19E-EE6A8E2AF848}" type="slidenum">
-              <a:rPr lang="en-US" sz="1400" b="1" i="0" smtClean="0">
-                <a:solidFill>
-                  <a:schemeClr val="tx1"/>
-                </a:solidFill>
-                <a:latin typeface="Arial" panose="020B0604020202020204" pitchFamily="34" charset="0"/>
-                <a:ea typeface="Inter Semi Bold" panose="020B0502030000000004" pitchFamily="34" charset="0"/>
-                <a:cs typeface="Arial" panose="020B0604020202020204" pitchFamily="34" charset="0"/>
-              </a:rPr>
-              <a:pPr algn="ctr"/>
-              <a:t>11</a:t>
-            </a:fld>
-            <a:endParaRPr lang="en-US" sz="1400" b="1" i="0" dirty="0">
-              <a:solidFill>
-                <a:schemeClr val="tx1"/>
-              </a:solidFill>
-              <a:latin typeface="Arial" panose="020B0604020202020204" pitchFamily="34" charset="0"/>
-              <a:ea typeface="Inter Semi Bold" panose="020B0502030000000004" pitchFamily="34" charset="0"/>
-              <a:cs typeface="Arial" panose="020B0604020202020204" pitchFamily="34" charset="0"/>
-            </a:endParaRPr>
-          </a:p>
-        </p:txBody>
-      </p:sp>
-      <p:pic>
-        <p:nvPicPr>
-          <p:cNvPr id="4" name="Picture 3" descr="A picture containing text, indoor, screenshot&#10;&#10;Description automatically generated">
-            <a:extLst>
-              <a:ext uri="{FF2B5EF4-FFF2-40B4-BE49-F238E27FC236}">
-                <a16:creationId xmlns:a16="http://schemas.microsoft.com/office/drawing/2014/main" id="{E37C7D1E-A684-1538-BDFB-08B360442D11}"/>
-              </a:ext>
-            </a:extLst>
-          </p:cNvPr>
-          <p:cNvPicPr>
-            <a:picLocks noChangeAspect="1"/>
-          </p:cNvPicPr>
-          <p:nvPr/>
-        </p:nvPicPr>
-        <p:blipFill>
-          <a:blip r:embed="rId4"/>
-          <a:stretch>
-            <a:fillRect/>
-          </a:stretch>
-        </p:blipFill>
-        <p:spPr>
-          <a:xfrm>
-            <a:off x="180288" y="1878159"/>
-            <a:ext cx="11905357" cy="3965050"/>
-          </a:xfrm>
-          <a:prstGeom prst="rect">
-            <a:avLst/>
-          </a:prstGeom>
-        </p:spPr>
-      </p:pic>
-    </p:spTree>
-    <p:extLst>
-      <p:ext uri="{BB962C8B-B14F-4D97-AF65-F5344CB8AC3E}">
-        <p14:creationId xmlns:p14="http://schemas.microsoft.com/office/powerpoint/2010/main" val="1034594053"/>
-      </p:ext>
-    </p:extLst>
-  </p:cSld>
-  <p:clrMapOvr>
-    <a:masterClrMapping/>
-  </p:clrMapOvr>
-</p:sld>
-</file>
-
-<file path=ppt/slides/slide12.xml><?xml version="1.0" encoding="utf-8"?>
-<p:sld xmlns:a="http://schemas.openxmlformats.org/drawingml/2006/main" xmlns:r="http://schemas.openxmlformats.org/officeDocument/2006/relationships" xmlns:p="http://schemas.openxmlformats.org/presentationml/2006/main">
-  <p:cSld>
-    <p:spTree>
-      <p:nvGrpSpPr>
-        <p:cNvPr id="1" name=""/>
-        <p:cNvGrpSpPr/>
-        <p:nvPr/>
-      </p:nvGrpSpPr>
-      <p:grpSpPr>
-        <a:xfrm>
-          <a:off x="0" y="0"/>
-          <a:ext cx="0" cy="0"/>
-          <a:chOff x="0" y="0"/>
-          <a:chExt cx="0" cy="0"/>
-        </a:xfrm>
-      </p:grpSpPr>
-      <p:sp>
-        <p:nvSpPr>
-          <p:cNvPr id="2" name="Text Placeholder 4">
-            <a:extLst>
-              <a:ext uri="{FF2B5EF4-FFF2-40B4-BE49-F238E27FC236}">
-                <a16:creationId xmlns:a16="http://schemas.microsoft.com/office/drawing/2014/main" id="{47BF44B9-6DB8-C041-A0E1-A9C71DBF8DA1}"/>
-              </a:ext>
-            </a:extLst>
-          </p:cNvPr>
-          <p:cNvSpPr txBox="1">
-            <a:spLocks/>
-          </p:cNvSpPr>
-          <p:nvPr/>
-        </p:nvSpPr>
-        <p:spPr>
-          <a:xfrm>
-            <a:off x="641645" y="600737"/>
-            <a:ext cx="8978606" cy="509636"/>
-          </a:xfrm>
-          <a:prstGeom prst="rect">
-            <a:avLst/>
-          </a:prstGeom>
-        </p:spPr>
-        <p:txBody>
-          <a:bodyPr/>
-          <a:lstStyle>
-            <a:lvl1pPr marL="0" indent="0" algn="l" defTabSz="914400" rtl="0" eaLnBrk="1" latinLnBrk="0" hangingPunct="1">
-              <a:lnSpc>
-                <a:spcPct val="90000"/>
-              </a:lnSpc>
-              <a:spcBef>
-                <a:spcPts val="1000"/>
-              </a:spcBef>
-              <a:buFont typeface="Arial" panose="020B0604020202020204" pitchFamily="34" charset="0"/>
-              <a:buNone/>
-              <a:defRPr sz="3000" b="1" i="0" kern="1200">
-                <a:solidFill>
-                  <a:schemeClr val="tx1"/>
-                </a:solidFill>
-                <a:latin typeface="Arial" panose="020B0604020202020204" pitchFamily="34" charset="0"/>
-                <a:ea typeface="Inter Semi Bold" panose="020B0502030000000004" pitchFamily="34" charset="0"/>
-                <a:cs typeface="Arial" panose="020B0604020202020204" pitchFamily="34" charset="0"/>
-              </a:defRPr>
-            </a:lvl1pPr>
-            <a:lvl2pPr marL="685800" indent="-228600" algn="l" defTabSz="914400" rtl="0" eaLnBrk="1" latinLnBrk="0" hangingPunct="1">
-              <a:lnSpc>
-                <a:spcPct val="90000"/>
-              </a:lnSpc>
-              <a:spcBef>
-                <a:spcPts val="500"/>
-              </a:spcBef>
-              <a:buFont typeface="Arial" panose="020B0604020202020204" pitchFamily="34" charset="0"/>
-              <a:buChar char="•"/>
-              <a:defRPr sz="2400" kern="1200">
-                <a:solidFill>
-                  <a:schemeClr val="bg1"/>
-                </a:solidFill>
-                <a:latin typeface="+mn-lt"/>
-                <a:ea typeface="+mn-ea"/>
-                <a:cs typeface="+mn-cs"/>
-              </a:defRPr>
-            </a:lvl2pPr>
-            <a:lvl3pPr marL="1143000" indent="-228600" algn="l" defTabSz="914400" rtl="0" eaLnBrk="1" latinLnBrk="0" hangingPunct="1">
-              <a:lnSpc>
-                <a:spcPct val="90000"/>
-              </a:lnSpc>
-              <a:spcBef>
-                <a:spcPts val="500"/>
-              </a:spcBef>
-              <a:buFont typeface="Arial" panose="020B0604020202020204" pitchFamily="34" charset="0"/>
-              <a:buChar char="•"/>
-              <a:defRPr sz="2000" kern="1200">
-                <a:solidFill>
-                  <a:schemeClr val="bg1"/>
-                </a:solidFill>
-                <a:latin typeface="+mn-lt"/>
-                <a:ea typeface="+mn-ea"/>
-                <a:cs typeface="+mn-cs"/>
-              </a:defRPr>
-            </a:lvl3pPr>
-            <a:lvl4pPr marL="1600200" indent="-228600" algn="l" defTabSz="914400" rtl="0" eaLnBrk="1" latinLnBrk="0" hangingPunct="1">
-              <a:lnSpc>
-                <a:spcPct val="90000"/>
-              </a:lnSpc>
-              <a:spcBef>
-                <a:spcPts val="500"/>
-              </a:spcBef>
-              <a:buFont typeface="Arial" panose="020B0604020202020204" pitchFamily="34" charset="0"/>
-              <a:buChar char="•"/>
-              <a:defRPr sz="1800" kern="1200">
-                <a:solidFill>
-                  <a:schemeClr val="bg1"/>
-                </a:solidFill>
-                <a:latin typeface="+mn-lt"/>
-                <a:ea typeface="+mn-ea"/>
-                <a:cs typeface="+mn-cs"/>
-              </a:defRPr>
-            </a:lvl4pPr>
-            <a:lvl5pPr marL="2057400" indent="-228600" algn="l" defTabSz="914400" rtl="0" eaLnBrk="1" latinLnBrk="0" hangingPunct="1">
-              <a:lnSpc>
-                <a:spcPct val="90000"/>
-              </a:lnSpc>
-              <a:spcBef>
-                <a:spcPts val="500"/>
-              </a:spcBef>
-              <a:buFont typeface="Arial" panose="020B0604020202020204" pitchFamily="34" charset="0"/>
-              <a:buChar char="•"/>
-              <a:defRPr sz="1800" kern="1200">
-                <a:solidFill>
-                  <a:schemeClr val="bg1"/>
-                </a:solidFill>
-                <a:latin typeface="+mn-lt"/>
-                <a:ea typeface="+mn-ea"/>
-                <a:cs typeface="+mn-cs"/>
-              </a:defRPr>
-            </a:lvl5pPr>
-            <a:lvl6pPr marL="2514600" indent="-228600" algn="l" defTabSz="914400" rtl="0" eaLnBrk="1" latinLnBrk="0" hangingPunct="1">
-              <a:lnSpc>
-                <a:spcPct val="90000"/>
-              </a:lnSpc>
-              <a:spcBef>
-                <a:spcPts val="500"/>
-              </a:spcBef>
-              <a:buFont typeface="Arial" panose="020B0604020202020204" pitchFamily="34" charset="0"/>
-              <a:buChar char="•"/>
-              <a:defRPr sz="1800" kern="1200">
-                <a:solidFill>
-                  <a:schemeClr val="tx1"/>
-                </a:solidFill>
-                <a:latin typeface="+mn-lt"/>
-                <a:ea typeface="+mn-ea"/>
-                <a:cs typeface="+mn-cs"/>
-              </a:defRPr>
-            </a:lvl6pPr>
-            <a:lvl7pPr marL="2971800" indent="-228600" algn="l" defTabSz="914400" rtl="0" eaLnBrk="1" latinLnBrk="0" hangingPunct="1">
-              <a:lnSpc>
-                <a:spcPct val="90000"/>
-              </a:lnSpc>
-              <a:spcBef>
-                <a:spcPts val="500"/>
-              </a:spcBef>
-              <a:buFont typeface="Arial" panose="020B0604020202020204" pitchFamily="34" charset="0"/>
-              <a:buChar char="•"/>
-              <a:defRPr sz="1800" kern="1200">
-                <a:solidFill>
-                  <a:schemeClr val="tx1"/>
-                </a:solidFill>
-                <a:latin typeface="+mn-lt"/>
-                <a:ea typeface="+mn-ea"/>
-                <a:cs typeface="+mn-cs"/>
-              </a:defRPr>
-            </a:lvl7pPr>
-            <a:lvl8pPr marL="3429000" indent="-228600" algn="l" defTabSz="914400" rtl="0" eaLnBrk="1" latinLnBrk="0" hangingPunct="1">
-              <a:lnSpc>
-                <a:spcPct val="90000"/>
-              </a:lnSpc>
-              <a:spcBef>
-                <a:spcPts val="500"/>
-              </a:spcBef>
-              <a:buFont typeface="Arial" panose="020B0604020202020204" pitchFamily="34" charset="0"/>
-              <a:buChar char="•"/>
-              <a:defRPr sz="1800" kern="1200">
-                <a:solidFill>
-                  <a:schemeClr val="tx1"/>
-                </a:solidFill>
-                <a:latin typeface="+mn-lt"/>
-                <a:ea typeface="+mn-ea"/>
-                <a:cs typeface="+mn-cs"/>
-              </a:defRPr>
-            </a:lvl8pPr>
-            <a:lvl9pPr marL="3886200" indent="-228600" algn="l" defTabSz="914400" rtl="0" eaLnBrk="1" latinLnBrk="0" hangingPunct="1">
-              <a:lnSpc>
-                <a:spcPct val="90000"/>
-              </a:lnSpc>
-              <a:spcBef>
-                <a:spcPts val="500"/>
-              </a:spcBef>
-              <a:buFont typeface="Arial" panose="020B0604020202020204" pitchFamily="34" charset="0"/>
-              <a:buChar char="•"/>
-              <a:defRPr sz="1800" kern="1200">
-                <a:solidFill>
-                  <a:schemeClr val="tx1"/>
-                </a:solidFill>
-                <a:latin typeface="+mn-lt"/>
-                <a:ea typeface="+mn-ea"/>
-                <a:cs typeface="+mn-cs"/>
-              </a:defRPr>
-            </a:lvl9pPr>
-          </a:lstStyle>
-          <a:p>
-            <a:r>
-              <a:rPr lang="lt-LT" dirty="0"/>
               <a:t>Testavimo strategija</a:t>
             </a:r>
             <a:endParaRPr lang="en-US" dirty="0"/>
@@ -32424,7 +32044,7 @@
                 <a:cs typeface="Arial" panose="020B0604020202020204" pitchFamily="34" charset="0"/>
               </a:rPr>
               <a:pPr algn="ctr"/>
-              <a:t>12</a:t>
+              <a:t>11</a:t>
             </a:fld>
             <a:endParaRPr lang="en-US" sz="1400" b="1" i="0" dirty="0">
               <a:solidFill>
@@ -32531,7 +32151,7 @@
 </p:sld>
 </file>
 
-<file path=ppt/slides/slide13.xml><?xml version="1.0" encoding="utf-8"?>
+<file path=ppt/slides/slide12.xml><?xml version="1.0" encoding="utf-8"?>
 <p:sld xmlns:a="http://schemas.openxmlformats.org/drawingml/2006/main" xmlns:r="http://schemas.openxmlformats.org/officeDocument/2006/relationships" xmlns:p="http://schemas.openxmlformats.org/presentationml/2006/main">
   <p:cSld>
     <p:spTree>
@@ -32954,7 +32574,7 @@
                 <a:effectLst/>
                 <a:ea typeface="Calibri" panose="020F0502020204030204" pitchFamily="34" charset="0"/>
               </a:rPr>
-              <a:t>Išsiaiškinta, jog tokių programavimo mokymosi portalų, kuriuose kodo kompiliatorius būtų naršyklėje nėra daug. Todėl buvo nuspręsta, jog sistema turi būti kuriama, kurioje kodo kompiliavimas vyktų naršyklėje, o ir naudotojo sąsaja būtų lengvai suprantama ir aiški. Taip pat buvo pasirinkta programavimo kalba – </a:t>
+              <a:t>Išsiaiškinta, jog tokių programavimo mokymosi portalų, kuriuose kodo kompiliatorius būtų naršyklėje nėra daug. Todėl buvo nuspręsta, jog sistema turi būti kuriama, kurioje kodo kompiliavimas vyktų naršyklėje, jog nereikėtų atskiro serverio kodo kompiliavimui, o ir naudotojo sąsaja būtų lengvai suprantama ir aiški. Taip pat buvo pasirinkta programavimo kalba – </a:t>
             </a:r>
             <a:r>
               <a:rPr lang="lt-LT" sz="2200" i="1" dirty="0" err="1">
@@ -32988,726 +32608,6 @@
               </a:spcAft>
               <a:buFont typeface="+mj-lt"/>
               <a:buAutoNum type="arabicPeriod"/>
-            </a:pPr>
-            <a:r>
-              <a:rPr lang="lt-LT" sz="2200" dirty="0">
-                <a:effectLst/>
-                <a:ea typeface="Calibri" panose="020F0502020204030204" pitchFamily="34" charset="0"/>
-              </a:rPr>
-              <a:t>Buvo apibrėžti pagrindiniai šios sistemos naudotojai – administratorius, mokytojas ir mokinys. Taip pat buvo apibrėžtos ir trys posistemės – mokymų, naudotojo ir elektroninės parduotuvės</a:t>
-            </a:r>
-            <a:r>
-              <a:rPr lang="en-US" sz="2200" dirty="0">
-                <a:effectLst/>
-                <a:ea typeface="Calibri" panose="020F0502020204030204" pitchFamily="34" charset="0"/>
-              </a:rPr>
-              <a:t>;</a:t>
-            </a:r>
-          </a:p>
-          <a:p>
-            <a:pPr marL="457200" indent="-457200">
-              <a:spcBef>
-                <a:spcPts val="1000"/>
-              </a:spcBef>
-              <a:spcAft>
-                <a:spcPts val="1000"/>
-              </a:spcAft>
-              <a:buFont typeface="+mj-lt"/>
-              <a:buAutoNum type="arabicPeriod"/>
-            </a:pPr>
-            <a:endParaRPr lang="en-US" sz="2200" dirty="0">
-              <a:effectLst/>
-              <a:ea typeface="Calibri" panose="020F0502020204030204" pitchFamily="34" charset="0"/>
-            </a:endParaRPr>
-          </a:p>
-        </p:txBody>
-      </p:sp>
-      <p:pic>
-        <p:nvPicPr>
-          <p:cNvPr id="5" name="Picture 4">
-            <a:extLst>
-              <a:ext uri="{FF2B5EF4-FFF2-40B4-BE49-F238E27FC236}">
-                <a16:creationId xmlns:a16="http://schemas.microsoft.com/office/drawing/2014/main" id="{83B73673-4145-554C-BB27-F7144E19CFB9}"/>
-              </a:ext>
-            </a:extLst>
-          </p:cNvPr>
-          <p:cNvPicPr>
-            <a:picLocks noChangeAspect="1"/>
-          </p:cNvPicPr>
-          <p:nvPr/>
-        </p:nvPicPr>
-        <p:blipFill>
-          <a:blip r:embed="rId2"/>
-          <a:stretch>
-            <a:fillRect/>
-          </a:stretch>
-        </p:blipFill>
-        <p:spPr>
-          <a:xfrm>
-            <a:off x="0" y="1351225"/>
-            <a:ext cx="12192000" cy="190500"/>
-          </a:xfrm>
-          <a:prstGeom prst="rect">
-            <a:avLst/>
-          </a:prstGeom>
-        </p:spPr>
-      </p:pic>
-      <p:pic>
-        <p:nvPicPr>
-          <p:cNvPr id="6" name="Picture 5">
-            <a:extLst>
-              <a:ext uri="{FF2B5EF4-FFF2-40B4-BE49-F238E27FC236}">
-                <a16:creationId xmlns:a16="http://schemas.microsoft.com/office/drawing/2014/main" id="{B487F325-02EB-F242-B1D6-475FE32A770F}"/>
-              </a:ext>
-            </a:extLst>
-          </p:cNvPr>
-          <p:cNvPicPr>
-            <a:picLocks noChangeAspect="1"/>
-          </p:cNvPicPr>
-          <p:nvPr/>
-        </p:nvPicPr>
-        <p:blipFill>
-          <a:blip r:embed="rId3"/>
-          <a:stretch>
-            <a:fillRect/>
-          </a:stretch>
-        </p:blipFill>
-        <p:spPr>
-          <a:xfrm>
-            <a:off x="11163222" y="696316"/>
-            <a:ext cx="590985" cy="318475"/>
-          </a:xfrm>
-          <a:prstGeom prst="rect">
-            <a:avLst/>
-          </a:prstGeom>
-        </p:spPr>
-      </p:pic>
-      <p:sp>
-        <p:nvSpPr>
-          <p:cNvPr id="7" name="Slide Number Placeholder 3">
-            <a:extLst>
-              <a:ext uri="{FF2B5EF4-FFF2-40B4-BE49-F238E27FC236}">
-                <a16:creationId xmlns:a16="http://schemas.microsoft.com/office/drawing/2014/main" id="{F1B68A5B-BC1B-104C-B778-743D097D6A3F}"/>
-              </a:ext>
-            </a:extLst>
-          </p:cNvPr>
-          <p:cNvSpPr txBox="1">
-            <a:spLocks/>
-          </p:cNvSpPr>
-          <p:nvPr/>
-        </p:nvSpPr>
-        <p:spPr>
-          <a:xfrm>
-            <a:off x="11163044" y="6286367"/>
-            <a:ext cx="922601" cy="365125"/>
-          </a:xfrm>
-          <a:prstGeom prst="rect">
-            <a:avLst/>
-          </a:prstGeom>
-        </p:spPr>
-        <p:txBody>
-          <a:bodyPr anchor="b"/>
-          <a:lstStyle>
-            <a:defPPr>
-              <a:defRPr lang="en-US"/>
-            </a:defPPr>
-            <a:lvl1pPr marL="0" algn="r" defTabSz="914400" rtl="0" eaLnBrk="1" latinLnBrk="0" hangingPunct="1">
-              <a:defRPr sz="1500" b="1" i="0" kern="1200">
-                <a:solidFill>
-                  <a:schemeClr val="bg1"/>
-                </a:solidFill>
-                <a:latin typeface="Arial" panose="020B0604020202020204" pitchFamily="34" charset="0"/>
-                <a:ea typeface="+mn-ea"/>
-                <a:cs typeface="Arial" panose="020B0604020202020204" pitchFamily="34" charset="0"/>
-              </a:defRPr>
-            </a:lvl1pPr>
-            <a:lvl2pPr marL="457200" algn="l" defTabSz="914400" rtl="0" eaLnBrk="1" latinLnBrk="0" hangingPunct="1">
-              <a:defRPr sz="1800" kern="1200">
-                <a:solidFill>
-                  <a:schemeClr val="tx1"/>
-                </a:solidFill>
-                <a:latin typeface="+mn-lt"/>
-                <a:ea typeface="+mn-ea"/>
-                <a:cs typeface="+mn-cs"/>
-              </a:defRPr>
-            </a:lvl2pPr>
-            <a:lvl3pPr marL="914400" algn="l" defTabSz="914400" rtl="0" eaLnBrk="1" latinLnBrk="0" hangingPunct="1">
-              <a:defRPr sz="1800" kern="1200">
-                <a:solidFill>
-                  <a:schemeClr val="tx1"/>
-                </a:solidFill>
-                <a:latin typeface="+mn-lt"/>
-                <a:ea typeface="+mn-ea"/>
-                <a:cs typeface="+mn-cs"/>
-              </a:defRPr>
-            </a:lvl3pPr>
-            <a:lvl4pPr marL="1371600" algn="l" defTabSz="914400" rtl="0" eaLnBrk="1" latinLnBrk="0" hangingPunct="1">
-              <a:defRPr sz="1800" kern="1200">
-                <a:solidFill>
-                  <a:schemeClr val="tx1"/>
-                </a:solidFill>
-                <a:latin typeface="+mn-lt"/>
-                <a:ea typeface="+mn-ea"/>
-                <a:cs typeface="+mn-cs"/>
-              </a:defRPr>
-            </a:lvl4pPr>
-            <a:lvl5pPr marL="1828800" algn="l" defTabSz="914400" rtl="0" eaLnBrk="1" latinLnBrk="0" hangingPunct="1">
-              <a:defRPr sz="1800" kern="1200">
-                <a:solidFill>
-                  <a:schemeClr val="tx1"/>
-                </a:solidFill>
-                <a:latin typeface="+mn-lt"/>
-                <a:ea typeface="+mn-ea"/>
-                <a:cs typeface="+mn-cs"/>
-              </a:defRPr>
-            </a:lvl5pPr>
-            <a:lvl6pPr marL="2286000" algn="l" defTabSz="914400" rtl="0" eaLnBrk="1" latinLnBrk="0" hangingPunct="1">
-              <a:defRPr sz="1800" kern="1200">
-                <a:solidFill>
-                  <a:schemeClr val="tx1"/>
-                </a:solidFill>
-                <a:latin typeface="+mn-lt"/>
-                <a:ea typeface="+mn-ea"/>
-                <a:cs typeface="+mn-cs"/>
-              </a:defRPr>
-            </a:lvl6pPr>
-            <a:lvl7pPr marL="2743200" algn="l" defTabSz="914400" rtl="0" eaLnBrk="1" latinLnBrk="0" hangingPunct="1">
-              <a:defRPr sz="1800" kern="1200">
-                <a:solidFill>
-                  <a:schemeClr val="tx1"/>
-                </a:solidFill>
-                <a:latin typeface="+mn-lt"/>
-                <a:ea typeface="+mn-ea"/>
-                <a:cs typeface="+mn-cs"/>
-              </a:defRPr>
-            </a:lvl7pPr>
-            <a:lvl8pPr marL="3200400" algn="l" defTabSz="914400" rtl="0" eaLnBrk="1" latinLnBrk="0" hangingPunct="1">
-              <a:defRPr sz="1800" kern="1200">
-                <a:solidFill>
-                  <a:schemeClr val="tx1"/>
-                </a:solidFill>
-                <a:latin typeface="+mn-lt"/>
-                <a:ea typeface="+mn-ea"/>
-                <a:cs typeface="+mn-cs"/>
-              </a:defRPr>
-            </a:lvl8pPr>
-            <a:lvl9pPr marL="3657600" algn="l" defTabSz="914400" rtl="0" eaLnBrk="1" latinLnBrk="0" hangingPunct="1">
-              <a:defRPr sz="1800" kern="1200">
-                <a:solidFill>
-                  <a:schemeClr val="tx1"/>
-                </a:solidFill>
-                <a:latin typeface="+mn-lt"/>
-                <a:ea typeface="+mn-ea"/>
-                <a:cs typeface="+mn-cs"/>
-              </a:defRPr>
-            </a:lvl9pPr>
-          </a:lstStyle>
-          <a:p>
-            <a:pPr algn="ctr"/>
-            <a:fld id="{D6F01323-A656-431B-B19E-EE6A8E2AF848}" type="slidenum">
-              <a:rPr lang="en-US" sz="1400" b="1" i="0" smtClean="0">
-                <a:solidFill>
-                  <a:schemeClr val="tx1"/>
-                </a:solidFill>
-                <a:latin typeface="Arial" panose="020B0604020202020204" pitchFamily="34" charset="0"/>
-                <a:ea typeface="Inter Semi Bold" panose="020B0502030000000004" pitchFamily="34" charset="0"/>
-                <a:cs typeface="Arial" panose="020B0604020202020204" pitchFamily="34" charset="0"/>
-              </a:rPr>
-              <a:pPr algn="ctr"/>
-              <a:t>13</a:t>
-            </a:fld>
-            <a:endParaRPr lang="en-US" sz="1400" b="1" i="0" dirty="0">
-              <a:solidFill>
-                <a:schemeClr val="tx1"/>
-              </a:solidFill>
-              <a:latin typeface="Arial" panose="020B0604020202020204" pitchFamily="34" charset="0"/>
-              <a:ea typeface="Inter Semi Bold" panose="020B0502030000000004" pitchFamily="34" charset="0"/>
-              <a:cs typeface="Arial" panose="020B0604020202020204" pitchFamily="34" charset="0"/>
-            </a:endParaRPr>
-          </a:p>
-        </p:txBody>
-      </p:sp>
-    </p:spTree>
-    <p:extLst>
-      <p:ext uri="{BB962C8B-B14F-4D97-AF65-F5344CB8AC3E}">
-        <p14:creationId xmlns:p14="http://schemas.microsoft.com/office/powerpoint/2010/main" val="853227250"/>
-      </p:ext>
-    </p:extLst>
-  </p:cSld>
-  <p:clrMapOvr>
-    <a:masterClrMapping/>
-  </p:clrMapOvr>
-</p:sld>
-</file>
-
-<file path=ppt/slides/slide14.xml><?xml version="1.0" encoding="utf-8"?>
-<p:sld xmlns:a="http://schemas.openxmlformats.org/drawingml/2006/main" xmlns:r="http://schemas.openxmlformats.org/officeDocument/2006/relationships" xmlns:p="http://schemas.openxmlformats.org/presentationml/2006/main">
-  <p:cSld>
-    <p:spTree>
-      <p:nvGrpSpPr>
-        <p:cNvPr id="1" name=""/>
-        <p:cNvGrpSpPr/>
-        <p:nvPr/>
-      </p:nvGrpSpPr>
-      <p:grpSpPr>
-        <a:xfrm>
-          <a:off x="0" y="0"/>
-          <a:ext cx="0" cy="0"/>
-          <a:chOff x="0" y="0"/>
-          <a:chExt cx="0" cy="0"/>
-        </a:xfrm>
-      </p:grpSpPr>
-      <p:sp>
-        <p:nvSpPr>
-          <p:cNvPr id="2" name="Text Placeholder 4">
-            <a:extLst>
-              <a:ext uri="{FF2B5EF4-FFF2-40B4-BE49-F238E27FC236}">
-                <a16:creationId xmlns:a16="http://schemas.microsoft.com/office/drawing/2014/main" id="{47BF44B9-6DB8-C041-A0E1-A9C71DBF8DA1}"/>
-              </a:ext>
-            </a:extLst>
-          </p:cNvPr>
-          <p:cNvSpPr txBox="1">
-            <a:spLocks/>
-          </p:cNvSpPr>
-          <p:nvPr/>
-        </p:nvSpPr>
-        <p:spPr>
-          <a:xfrm>
-            <a:off x="641645" y="600737"/>
-            <a:ext cx="8978606" cy="509636"/>
-          </a:xfrm>
-          <a:prstGeom prst="rect">
-            <a:avLst/>
-          </a:prstGeom>
-        </p:spPr>
-        <p:txBody>
-          <a:bodyPr/>
-          <a:lstStyle>
-            <a:lvl1pPr marL="0" indent="0" algn="l" defTabSz="914400" rtl="0" eaLnBrk="1" latinLnBrk="0" hangingPunct="1">
-              <a:lnSpc>
-                <a:spcPct val="90000"/>
-              </a:lnSpc>
-              <a:spcBef>
-                <a:spcPts val="1000"/>
-              </a:spcBef>
-              <a:buFont typeface="Arial" panose="020B0604020202020204" pitchFamily="34" charset="0"/>
-              <a:buNone/>
-              <a:defRPr sz="3000" b="1" i="0" kern="1200">
-                <a:solidFill>
-                  <a:schemeClr val="tx1"/>
-                </a:solidFill>
-                <a:latin typeface="Arial" panose="020B0604020202020204" pitchFamily="34" charset="0"/>
-                <a:ea typeface="Inter Semi Bold" panose="020B0502030000000004" pitchFamily="34" charset="0"/>
-                <a:cs typeface="Arial" panose="020B0604020202020204" pitchFamily="34" charset="0"/>
-              </a:defRPr>
-            </a:lvl1pPr>
-            <a:lvl2pPr marL="685800" indent="-228600" algn="l" defTabSz="914400" rtl="0" eaLnBrk="1" latinLnBrk="0" hangingPunct="1">
-              <a:lnSpc>
-                <a:spcPct val="90000"/>
-              </a:lnSpc>
-              <a:spcBef>
-                <a:spcPts val="500"/>
-              </a:spcBef>
-              <a:buFont typeface="Arial" panose="020B0604020202020204" pitchFamily="34" charset="0"/>
-              <a:buChar char="•"/>
-              <a:defRPr sz="2400" kern="1200">
-                <a:solidFill>
-                  <a:schemeClr val="bg1"/>
-                </a:solidFill>
-                <a:latin typeface="+mn-lt"/>
-                <a:ea typeface="+mn-ea"/>
-                <a:cs typeface="+mn-cs"/>
-              </a:defRPr>
-            </a:lvl2pPr>
-            <a:lvl3pPr marL="1143000" indent="-228600" algn="l" defTabSz="914400" rtl="0" eaLnBrk="1" latinLnBrk="0" hangingPunct="1">
-              <a:lnSpc>
-                <a:spcPct val="90000"/>
-              </a:lnSpc>
-              <a:spcBef>
-                <a:spcPts val="500"/>
-              </a:spcBef>
-              <a:buFont typeface="Arial" panose="020B0604020202020204" pitchFamily="34" charset="0"/>
-              <a:buChar char="•"/>
-              <a:defRPr sz="2000" kern="1200">
-                <a:solidFill>
-                  <a:schemeClr val="bg1"/>
-                </a:solidFill>
-                <a:latin typeface="+mn-lt"/>
-                <a:ea typeface="+mn-ea"/>
-                <a:cs typeface="+mn-cs"/>
-              </a:defRPr>
-            </a:lvl3pPr>
-            <a:lvl4pPr marL="1600200" indent="-228600" algn="l" defTabSz="914400" rtl="0" eaLnBrk="1" latinLnBrk="0" hangingPunct="1">
-              <a:lnSpc>
-                <a:spcPct val="90000"/>
-              </a:lnSpc>
-              <a:spcBef>
-                <a:spcPts val="500"/>
-              </a:spcBef>
-              <a:buFont typeface="Arial" panose="020B0604020202020204" pitchFamily="34" charset="0"/>
-              <a:buChar char="•"/>
-              <a:defRPr sz="1800" kern="1200">
-                <a:solidFill>
-                  <a:schemeClr val="bg1"/>
-                </a:solidFill>
-                <a:latin typeface="+mn-lt"/>
-                <a:ea typeface="+mn-ea"/>
-                <a:cs typeface="+mn-cs"/>
-              </a:defRPr>
-            </a:lvl4pPr>
-            <a:lvl5pPr marL="2057400" indent="-228600" algn="l" defTabSz="914400" rtl="0" eaLnBrk="1" latinLnBrk="0" hangingPunct="1">
-              <a:lnSpc>
-                <a:spcPct val="90000"/>
-              </a:lnSpc>
-              <a:spcBef>
-                <a:spcPts val="500"/>
-              </a:spcBef>
-              <a:buFont typeface="Arial" panose="020B0604020202020204" pitchFamily="34" charset="0"/>
-              <a:buChar char="•"/>
-              <a:defRPr sz="1800" kern="1200">
-                <a:solidFill>
-                  <a:schemeClr val="bg1"/>
-                </a:solidFill>
-                <a:latin typeface="+mn-lt"/>
-                <a:ea typeface="+mn-ea"/>
-                <a:cs typeface="+mn-cs"/>
-              </a:defRPr>
-            </a:lvl5pPr>
-            <a:lvl6pPr marL="2514600" indent="-228600" algn="l" defTabSz="914400" rtl="0" eaLnBrk="1" latinLnBrk="0" hangingPunct="1">
-              <a:lnSpc>
-                <a:spcPct val="90000"/>
-              </a:lnSpc>
-              <a:spcBef>
-                <a:spcPts val="500"/>
-              </a:spcBef>
-              <a:buFont typeface="Arial" panose="020B0604020202020204" pitchFamily="34" charset="0"/>
-              <a:buChar char="•"/>
-              <a:defRPr sz="1800" kern="1200">
-                <a:solidFill>
-                  <a:schemeClr val="tx1"/>
-                </a:solidFill>
-                <a:latin typeface="+mn-lt"/>
-                <a:ea typeface="+mn-ea"/>
-                <a:cs typeface="+mn-cs"/>
-              </a:defRPr>
-            </a:lvl6pPr>
-            <a:lvl7pPr marL="2971800" indent="-228600" algn="l" defTabSz="914400" rtl="0" eaLnBrk="1" latinLnBrk="0" hangingPunct="1">
-              <a:lnSpc>
-                <a:spcPct val="90000"/>
-              </a:lnSpc>
-              <a:spcBef>
-                <a:spcPts val="500"/>
-              </a:spcBef>
-              <a:buFont typeface="Arial" panose="020B0604020202020204" pitchFamily="34" charset="0"/>
-              <a:buChar char="•"/>
-              <a:defRPr sz="1800" kern="1200">
-                <a:solidFill>
-                  <a:schemeClr val="tx1"/>
-                </a:solidFill>
-                <a:latin typeface="+mn-lt"/>
-                <a:ea typeface="+mn-ea"/>
-                <a:cs typeface="+mn-cs"/>
-              </a:defRPr>
-            </a:lvl7pPr>
-            <a:lvl8pPr marL="3429000" indent="-228600" algn="l" defTabSz="914400" rtl="0" eaLnBrk="1" latinLnBrk="0" hangingPunct="1">
-              <a:lnSpc>
-                <a:spcPct val="90000"/>
-              </a:lnSpc>
-              <a:spcBef>
-                <a:spcPts val="500"/>
-              </a:spcBef>
-              <a:buFont typeface="Arial" panose="020B0604020202020204" pitchFamily="34" charset="0"/>
-              <a:buChar char="•"/>
-              <a:defRPr sz="1800" kern="1200">
-                <a:solidFill>
-                  <a:schemeClr val="tx1"/>
-                </a:solidFill>
-                <a:latin typeface="+mn-lt"/>
-                <a:ea typeface="+mn-ea"/>
-                <a:cs typeface="+mn-cs"/>
-              </a:defRPr>
-            </a:lvl8pPr>
-            <a:lvl9pPr marL="3886200" indent="-228600" algn="l" defTabSz="914400" rtl="0" eaLnBrk="1" latinLnBrk="0" hangingPunct="1">
-              <a:lnSpc>
-                <a:spcPct val="90000"/>
-              </a:lnSpc>
-              <a:spcBef>
-                <a:spcPts val="500"/>
-              </a:spcBef>
-              <a:buFont typeface="Arial" panose="020B0604020202020204" pitchFamily="34" charset="0"/>
-              <a:buChar char="•"/>
-              <a:defRPr sz="1800" kern="1200">
-                <a:solidFill>
-                  <a:schemeClr val="tx1"/>
-                </a:solidFill>
-                <a:latin typeface="+mn-lt"/>
-                <a:ea typeface="+mn-ea"/>
-                <a:cs typeface="+mn-cs"/>
-              </a:defRPr>
-            </a:lvl9pPr>
-          </a:lstStyle>
-          <a:p>
-            <a:r>
-              <a:rPr lang="lt-LT" dirty="0"/>
-              <a:t>Išvados ir rezultatai</a:t>
-            </a:r>
-            <a:endParaRPr lang="en-US" dirty="0"/>
-          </a:p>
-        </p:txBody>
-      </p:sp>
-      <p:sp>
-        <p:nvSpPr>
-          <p:cNvPr id="3" name="Text Placeholder 20">
-            <a:extLst>
-              <a:ext uri="{FF2B5EF4-FFF2-40B4-BE49-F238E27FC236}">
-                <a16:creationId xmlns:a16="http://schemas.microsoft.com/office/drawing/2014/main" id="{CAFE58A0-E161-FF49-BC07-C381DC7F90E7}"/>
-              </a:ext>
-            </a:extLst>
-          </p:cNvPr>
-          <p:cNvSpPr txBox="1">
-            <a:spLocks/>
-          </p:cNvSpPr>
-          <p:nvPr/>
-        </p:nvSpPr>
-        <p:spPr>
-          <a:xfrm>
-            <a:off x="639930" y="1664887"/>
-            <a:ext cx="9828212" cy="4704487"/>
-          </a:xfrm>
-          <a:prstGeom prst="rect">
-            <a:avLst/>
-          </a:prstGeom>
-        </p:spPr>
-        <p:txBody>
-          <a:bodyPr anchor="t"/>
-          <a:lstStyle>
-            <a:lvl1pPr marL="0" indent="0" algn="l" defTabSz="914400" rtl="0" eaLnBrk="1" latinLnBrk="0" hangingPunct="1">
-              <a:lnSpc>
-                <a:spcPct val="110000"/>
-              </a:lnSpc>
-              <a:spcBef>
-                <a:spcPts val="0"/>
-              </a:spcBef>
-              <a:spcAft>
-                <a:spcPts val="0"/>
-              </a:spcAft>
-              <a:buFont typeface="+mj-lt"/>
-              <a:buNone/>
-              <a:defRPr sz="1600" b="0" i="0" kern="1200">
-                <a:solidFill>
-                  <a:schemeClr val="tx1"/>
-                </a:solidFill>
-                <a:latin typeface="Arial" panose="020B0604020202020204" pitchFamily="34" charset="0"/>
-                <a:ea typeface="Inter" panose="020B0502030000000004" pitchFamily="34" charset="0"/>
-                <a:cs typeface="Arial" panose="020B0604020202020204" pitchFamily="34" charset="0"/>
-              </a:defRPr>
-            </a:lvl1pPr>
-            <a:lvl2pPr marL="685800" indent="-228600" algn="l" defTabSz="914400" rtl="0" eaLnBrk="1" latinLnBrk="0" hangingPunct="1">
-              <a:lnSpc>
-                <a:spcPct val="90000"/>
-              </a:lnSpc>
-              <a:spcBef>
-                <a:spcPts val="500"/>
-              </a:spcBef>
-              <a:buFont typeface="Arial" panose="020B0604020202020204" pitchFamily="34" charset="0"/>
-              <a:buChar char="•"/>
-              <a:defRPr sz="2400" kern="1200">
-                <a:solidFill>
-                  <a:schemeClr val="tx1"/>
-                </a:solidFill>
-                <a:latin typeface="+mn-lt"/>
-                <a:ea typeface="+mn-ea"/>
-                <a:cs typeface="+mn-cs"/>
-              </a:defRPr>
-            </a:lvl2pPr>
-            <a:lvl3pPr marL="1143000" indent="-228600" algn="l" defTabSz="914400" rtl="0" eaLnBrk="1" latinLnBrk="0" hangingPunct="1">
-              <a:lnSpc>
-                <a:spcPct val="90000"/>
-              </a:lnSpc>
-              <a:spcBef>
-                <a:spcPts val="500"/>
-              </a:spcBef>
-              <a:buFont typeface="Arial" panose="020B0604020202020204" pitchFamily="34" charset="0"/>
-              <a:buChar char="•"/>
-              <a:defRPr sz="2000" kern="1200">
-                <a:solidFill>
-                  <a:schemeClr val="tx1"/>
-                </a:solidFill>
-                <a:latin typeface="+mn-lt"/>
-                <a:ea typeface="+mn-ea"/>
-                <a:cs typeface="+mn-cs"/>
-              </a:defRPr>
-            </a:lvl3pPr>
-            <a:lvl4pPr marL="1600200" indent="-228600" algn="l" defTabSz="914400" rtl="0" eaLnBrk="1" latinLnBrk="0" hangingPunct="1">
-              <a:lnSpc>
-                <a:spcPct val="90000"/>
-              </a:lnSpc>
-              <a:spcBef>
-                <a:spcPts val="500"/>
-              </a:spcBef>
-              <a:buFont typeface="Arial" panose="020B0604020202020204" pitchFamily="34" charset="0"/>
-              <a:buChar char="•"/>
-              <a:defRPr sz="1800" kern="1200">
-                <a:solidFill>
-                  <a:schemeClr val="tx1"/>
-                </a:solidFill>
-                <a:latin typeface="+mn-lt"/>
-                <a:ea typeface="+mn-ea"/>
-                <a:cs typeface="+mn-cs"/>
-              </a:defRPr>
-            </a:lvl4pPr>
-            <a:lvl5pPr marL="2057400" indent="-228600" algn="l" defTabSz="914400" rtl="0" eaLnBrk="1" latinLnBrk="0" hangingPunct="1">
-              <a:lnSpc>
-                <a:spcPct val="90000"/>
-              </a:lnSpc>
-              <a:spcBef>
-                <a:spcPts val="500"/>
-              </a:spcBef>
-              <a:buFont typeface="Arial" panose="020B0604020202020204" pitchFamily="34" charset="0"/>
-              <a:buChar char="•"/>
-              <a:defRPr sz="1800" kern="1200">
-                <a:solidFill>
-                  <a:schemeClr val="tx1"/>
-                </a:solidFill>
-                <a:latin typeface="+mn-lt"/>
-                <a:ea typeface="+mn-ea"/>
-                <a:cs typeface="+mn-cs"/>
-              </a:defRPr>
-            </a:lvl5pPr>
-            <a:lvl6pPr marL="2514600" indent="-228600" algn="l" defTabSz="914400" rtl="0" eaLnBrk="1" latinLnBrk="0" hangingPunct="1">
-              <a:lnSpc>
-                <a:spcPct val="90000"/>
-              </a:lnSpc>
-              <a:spcBef>
-                <a:spcPts val="500"/>
-              </a:spcBef>
-              <a:buFont typeface="Arial" panose="020B0604020202020204" pitchFamily="34" charset="0"/>
-              <a:buChar char="•"/>
-              <a:defRPr sz="1800" kern="1200">
-                <a:solidFill>
-                  <a:schemeClr val="tx1"/>
-                </a:solidFill>
-                <a:latin typeface="+mn-lt"/>
-                <a:ea typeface="+mn-ea"/>
-                <a:cs typeface="+mn-cs"/>
-              </a:defRPr>
-            </a:lvl6pPr>
-            <a:lvl7pPr marL="2971800" indent="-228600" algn="l" defTabSz="914400" rtl="0" eaLnBrk="1" latinLnBrk="0" hangingPunct="1">
-              <a:lnSpc>
-                <a:spcPct val="90000"/>
-              </a:lnSpc>
-              <a:spcBef>
-                <a:spcPts val="500"/>
-              </a:spcBef>
-              <a:buFont typeface="Arial" panose="020B0604020202020204" pitchFamily="34" charset="0"/>
-              <a:buChar char="•"/>
-              <a:defRPr sz="1800" kern="1200">
-                <a:solidFill>
-                  <a:schemeClr val="tx1"/>
-                </a:solidFill>
-                <a:latin typeface="+mn-lt"/>
-                <a:ea typeface="+mn-ea"/>
-                <a:cs typeface="+mn-cs"/>
-              </a:defRPr>
-            </a:lvl7pPr>
-            <a:lvl8pPr marL="3429000" indent="-228600" algn="l" defTabSz="914400" rtl="0" eaLnBrk="1" latinLnBrk="0" hangingPunct="1">
-              <a:lnSpc>
-                <a:spcPct val="90000"/>
-              </a:lnSpc>
-              <a:spcBef>
-                <a:spcPts val="500"/>
-              </a:spcBef>
-              <a:buFont typeface="Arial" panose="020B0604020202020204" pitchFamily="34" charset="0"/>
-              <a:buChar char="•"/>
-              <a:defRPr sz="1800" kern="1200">
-                <a:solidFill>
-                  <a:schemeClr val="tx1"/>
-                </a:solidFill>
-                <a:latin typeface="+mn-lt"/>
-                <a:ea typeface="+mn-ea"/>
-                <a:cs typeface="+mn-cs"/>
-              </a:defRPr>
-            </a:lvl8pPr>
-            <a:lvl9pPr marL="3886200" indent="-228600" algn="l" defTabSz="914400" rtl="0" eaLnBrk="1" latinLnBrk="0" hangingPunct="1">
-              <a:lnSpc>
-                <a:spcPct val="90000"/>
-              </a:lnSpc>
-              <a:spcBef>
-                <a:spcPts val="500"/>
-              </a:spcBef>
-              <a:buFont typeface="Arial" panose="020B0604020202020204" pitchFamily="34" charset="0"/>
-              <a:buChar char="•"/>
-              <a:defRPr sz="1800" kern="1200">
-                <a:solidFill>
-                  <a:schemeClr val="tx1"/>
-                </a:solidFill>
-                <a:latin typeface="+mn-lt"/>
-                <a:ea typeface="+mn-ea"/>
-                <a:cs typeface="+mn-cs"/>
-              </a:defRPr>
-            </a:lvl9pPr>
-          </a:lstStyle>
-          <a:p>
-            <a:pPr marL="457200" indent="-457200">
-              <a:spcBef>
-                <a:spcPts val="1000"/>
-              </a:spcBef>
-              <a:spcAft>
-                <a:spcPts val="1000"/>
-              </a:spcAft>
-              <a:buFont typeface="+mj-lt"/>
-              <a:buAutoNum type="arabicPeriod" startAt="3"/>
-            </a:pPr>
-            <a:r>
-              <a:rPr lang="lt-LT" sz="2200" dirty="0">
-                <a:effectLst/>
-                <a:ea typeface="Calibri" panose="020F0502020204030204" pitchFamily="34" charset="0"/>
-              </a:rPr>
-              <a:t>Nuspręsta, jog serverio pusėje turi būti du sluoksniai – valdiklis, kuris yra atsakingas už bendravimą su kliento puse (angl. </a:t>
-            </a:r>
-            <a:r>
-              <a:rPr lang="lt-LT" sz="2200" i="1" dirty="0" err="1">
-                <a:effectLst/>
-                <a:ea typeface="Calibri" panose="020F0502020204030204" pitchFamily="34" charset="0"/>
-              </a:rPr>
-              <a:t>frontend</a:t>
-            </a:r>
-            <a:r>
-              <a:rPr lang="lt-LT" sz="2200" dirty="0">
-                <a:effectLst/>
-                <a:ea typeface="Calibri" panose="020F0502020204030204" pitchFamily="34" charset="0"/>
-              </a:rPr>
-              <a:t>) ir (angl. </a:t>
-            </a:r>
-            <a:r>
-              <a:rPr lang="lt-LT" sz="2200" i="1" dirty="0" err="1">
-                <a:effectLst/>
-                <a:ea typeface="Calibri" panose="020F0502020204030204" pitchFamily="34" charset="0"/>
-              </a:rPr>
-              <a:t>repository</a:t>
-            </a:r>
-            <a:r>
-              <a:rPr lang="lt-LT" sz="2200" dirty="0">
-                <a:effectLst/>
-                <a:ea typeface="Calibri" panose="020F0502020204030204" pitchFamily="34" charset="0"/>
-              </a:rPr>
-              <a:t>), kuris atsakingas tiek už logiką, tiek už komunikavimą su duomenų baze.</a:t>
-            </a:r>
-            <a:endParaRPr lang="en-US" sz="2200" dirty="0">
-              <a:effectLst/>
-              <a:ea typeface="Calibri" panose="020F0502020204030204" pitchFamily="34" charset="0"/>
-            </a:endParaRPr>
-          </a:p>
-          <a:p>
-            <a:pPr marL="457200" indent="-457200">
-              <a:spcBef>
-                <a:spcPts val="1000"/>
-              </a:spcBef>
-              <a:spcAft>
-                <a:spcPts val="1000"/>
-              </a:spcAft>
-              <a:buFont typeface="+mj-lt"/>
-              <a:buAutoNum type="arabicPeriod" startAt="3"/>
             </a:pPr>
             <a:r>
               <a:rPr lang="lt-LT" sz="2200" dirty="0">
@@ -33824,6 +32724,22 @@
               <a:ea typeface="Calibri" panose="020F0502020204030204" pitchFamily="34" charset="0"/>
             </a:endParaRPr>
           </a:p>
+          <a:p>
+            <a:pPr marL="457200" indent="-457200">
+              <a:spcBef>
+                <a:spcPts val="1000"/>
+              </a:spcBef>
+              <a:spcAft>
+                <a:spcPts val="1000"/>
+              </a:spcAft>
+              <a:buFont typeface="+mj-lt"/>
+              <a:buAutoNum type="arabicPeriod"/>
+            </a:pPr>
+            <a:endParaRPr lang="en-US" sz="2200" dirty="0">
+              <a:effectLst/>
+              <a:ea typeface="Calibri" panose="020F0502020204030204" pitchFamily="34" charset="0"/>
+            </a:endParaRPr>
+          </a:p>
         </p:txBody>
       </p:sp>
       <p:pic>
@@ -34018,7 +32934,7 @@
                 <a:cs typeface="Arial" panose="020B0604020202020204" pitchFamily="34" charset="0"/>
               </a:rPr>
               <a:pPr algn="ctr"/>
-              <a:t>14</a:t>
+              <a:t>12</a:t>
             </a:fld>
             <a:endParaRPr lang="en-US" sz="1400" b="1" i="0" dirty="0">
               <a:solidFill>
@@ -34034,7 +32950,7 @@
     </p:spTree>
     <p:extLst>
       <p:ext uri="{BB962C8B-B14F-4D97-AF65-F5344CB8AC3E}">
-        <p14:creationId xmlns:p14="http://schemas.microsoft.com/office/powerpoint/2010/main" val="2979907602"/>
+        <p14:creationId xmlns:p14="http://schemas.microsoft.com/office/powerpoint/2010/main" val="853227250"/>
       </p:ext>
     </p:extLst>
   </p:cSld>
@@ -34044,7 +32960,7 @@
 </p:sld>
 </file>
 
-<file path=ppt/slides/slide15.xml><?xml version="1.0" encoding="utf-8"?>
+<file path=ppt/slides/slide13.xml><?xml version="1.0" encoding="utf-8"?>
 <p:sld xmlns:a="http://schemas.openxmlformats.org/drawingml/2006/main" xmlns:r="http://schemas.openxmlformats.org/officeDocument/2006/relationships" xmlns:p="http://schemas.openxmlformats.org/presentationml/2006/main">
   <p:cSld>
     <p:spTree>
@@ -34275,7 +33191,7 @@
         </p:nvSpPr>
         <p:spPr>
           <a:xfrm>
-            <a:off x="639930" y="1782576"/>
+            <a:off x="639930" y="1664887"/>
             <a:ext cx="9828212" cy="4704487"/>
           </a:xfrm>
           <a:prstGeom prst="rect">
@@ -34460,7 +33376,37 @@
                 <a:spcPts val="1000"/>
               </a:spcAft>
               <a:buFont typeface="+mj-lt"/>
-              <a:buAutoNum type="arabicPeriod" startAt="5"/>
+              <a:buAutoNum type="arabicPeriod" startAt="3"/>
+            </a:pPr>
+            <a:r>
+              <a:rPr lang="lt-LT" sz="2200" dirty="0">
+                <a:effectLst/>
+                <a:ea typeface="Calibri" panose="020F0502020204030204" pitchFamily="34" charset="0"/>
+              </a:rPr>
+              <a:t>Buvo apibrėžti pagrindiniai šios sistemos naudotojai – administratorius, mokytojas ir mokinys. Taip pat buvo apibrėžtos ir trys posistemės – mokymų, naudotojo ir elektroninės parduotuvės</a:t>
+            </a:r>
+            <a:r>
+              <a:rPr lang="en-US" sz="2200" dirty="0">
+                <a:effectLst/>
+                <a:ea typeface="Calibri" panose="020F0502020204030204" pitchFamily="34" charset="0"/>
+              </a:rPr>
+              <a:t>;</a:t>
+            </a:r>
+            <a:endParaRPr lang="lt-LT" sz="2200" dirty="0">
+              <a:effectLst/>
+              <a:ea typeface="Calibri" panose="020F0502020204030204" pitchFamily="34" charset="0"/>
+            </a:endParaRPr>
+          </a:p>
+          <a:p>
+            <a:pPr marL="457200" indent="-457200">
+              <a:spcBef>
+                <a:spcPts val="1000"/>
+              </a:spcBef>
+              <a:spcAft>
+                <a:spcPts val="1000"/>
+              </a:spcAft>
+              <a:buFont typeface="+mj-lt"/>
+              <a:buAutoNum type="arabicPeriod" startAt="3"/>
             </a:pPr>
             <a:r>
               <a:rPr lang="lt-LT" sz="2200" dirty="0">
@@ -34522,6 +33468,633 @@
               <a:ea typeface="Calibri" panose="020F0502020204030204" pitchFamily="34" charset="0"/>
             </a:endParaRPr>
           </a:p>
+        </p:txBody>
+      </p:sp>
+      <p:pic>
+        <p:nvPicPr>
+          <p:cNvPr id="5" name="Picture 4">
+            <a:extLst>
+              <a:ext uri="{FF2B5EF4-FFF2-40B4-BE49-F238E27FC236}">
+                <a16:creationId xmlns:a16="http://schemas.microsoft.com/office/drawing/2014/main" id="{83B73673-4145-554C-BB27-F7144E19CFB9}"/>
+              </a:ext>
+            </a:extLst>
+          </p:cNvPr>
+          <p:cNvPicPr>
+            <a:picLocks noChangeAspect="1"/>
+          </p:cNvPicPr>
+          <p:nvPr/>
+        </p:nvPicPr>
+        <p:blipFill>
+          <a:blip r:embed="rId2"/>
+          <a:stretch>
+            <a:fillRect/>
+          </a:stretch>
+        </p:blipFill>
+        <p:spPr>
+          <a:xfrm>
+            <a:off x="0" y="1351225"/>
+            <a:ext cx="12192000" cy="190500"/>
+          </a:xfrm>
+          <a:prstGeom prst="rect">
+            <a:avLst/>
+          </a:prstGeom>
+        </p:spPr>
+      </p:pic>
+      <p:pic>
+        <p:nvPicPr>
+          <p:cNvPr id="6" name="Picture 5">
+            <a:extLst>
+              <a:ext uri="{FF2B5EF4-FFF2-40B4-BE49-F238E27FC236}">
+                <a16:creationId xmlns:a16="http://schemas.microsoft.com/office/drawing/2014/main" id="{B487F325-02EB-F242-B1D6-475FE32A770F}"/>
+              </a:ext>
+            </a:extLst>
+          </p:cNvPr>
+          <p:cNvPicPr>
+            <a:picLocks noChangeAspect="1"/>
+          </p:cNvPicPr>
+          <p:nvPr/>
+        </p:nvPicPr>
+        <p:blipFill>
+          <a:blip r:embed="rId3"/>
+          <a:stretch>
+            <a:fillRect/>
+          </a:stretch>
+        </p:blipFill>
+        <p:spPr>
+          <a:xfrm>
+            <a:off x="11163222" y="696316"/>
+            <a:ext cx="590985" cy="318475"/>
+          </a:xfrm>
+          <a:prstGeom prst="rect">
+            <a:avLst/>
+          </a:prstGeom>
+        </p:spPr>
+      </p:pic>
+      <p:sp>
+        <p:nvSpPr>
+          <p:cNvPr id="7" name="Slide Number Placeholder 3">
+            <a:extLst>
+              <a:ext uri="{FF2B5EF4-FFF2-40B4-BE49-F238E27FC236}">
+                <a16:creationId xmlns:a16="http://schemas.microsoft.com/office/drawing/2014/main" id="{F1B68A5B-BC1B-104C-B778-743D097D6A3F}"/>
+              </a:ext>
+            </a:extLst>
+          </p:cNvPr>
+          <p:cNvSpPr txBox="1">
+            <a:spLocks/>
+          </p:cNvSpPr>
+          <p:nvPr/>
+        </p:nvSpPr>
+        <p:spPr>
+          <a:xfrm>
+            <a:off x="11163044" y="6286367"/>
+            <a:ext cx="922601" cy="365125"/>
+          </a:xfrm>
+          <a:prstGeom prst="rect">
+            <a:avLst/>
+          </a:prstGeom>
+        </p:spPr>
+        <p:txBody>
+          <a:bodyPr anchor="b"/>
+          <a:lstStyle>
+            <a:defPPr>
+              <a:defRPr lang="en-US"/>
+            </a:defPPr>
+            <a:lvl1pPr marL="0" algn="r" defTabSz="914400" rtl="0" eaLnBrk="1" latinLnBrk="0" hangingPunct="1">
+              <a:defRPr sz="1500" b="1" i="0" kern="1200">
+                <a:solidFill>
+                  <a:schemeClr val="bg1"/>
+                </a:solidFill>
+                <a:latin typeface="Arial" panose="020B0604020202020204" pitchFamily="34" charset="0"/>
+                <a:ea typeface="+mn-ea"/>
+                <a:cs typeface="Arial" panose="020B0604020202020204" pitchFamily="34" charset="0"/>
+              </a:defRPr>
+            </a:lvl1pPr>
+            <a:lvl2pPr marL="457200" algn="l" defTabSz="914400" rtl="0" eaLnBrk="1" latinLnBrk="0" hangingPunct="1">
+              <a:defRPr sz="1800" kern="1200">
+                <a:solidFill>
+                  <a:schemeClr val="tx1"/>
+                </a:solidFill>
+                <a:latin typeface="+mn-lt"/>
+                <a:ea typeface="+mn-ea"/>
+                <a:cs typeface="+mn-cs"/>
+              </a:defRPr>
+            </a:lvl2pPr>
+            <a:lvl3pPr marL="914400" algn="l" defTabSz="914400" rtl="0" eaLnBrk="1" latinLnBrk="0" hangingPunct="1">
+              <a:defRPr sz="1800" kern="1200">
+                <a:solidFill>
+                  <a:schemeClr val="tx1"/>
+                </a:solidFill>
+                <a:latin typeface="+mn-lt"/>
+                <a:ea typeface="+mn-ea"/>
+                <a:cs typeface="+mn-cs"/>
+              </a:defRPr>
+            </a:lvl3pPr>
+            <a:lvl4pPr marL="1371600" algn="l" defTabSz="914400" rtl="0" eaLnBrk="1" latinLnBrk="0" hangingPunct="1">
+              <a:defRPr sz="1800" kern="1200">
+                <a:solidFill>
+                  <a:schemeClr val="tx1"/>
+                </a:solidFill>
+                <a:latin typeface="+mn-lt"/>
+                <a:ea typeface="+mn-ea"/>
+                <a:cs typeface="+mn-cs"/>
+              </a:defRPr>
+            </a:lvl4pPr>
+            <a:lvl5pPr marL="1828800" algn="l" defTabSz="914400" rtl="0" eaLnBrk="1" latinLnBrk="0" hangingPunct="1">
+              <a:defRPr sz="1800" kern="1200">
+                <a:solidFill>
+                  <a:schemeClr val="tx1"/>
+                </a:solidFill>
+                <a:latin typeface="+mn-lt"/>
+                <a:ea typeface="+mn-ea"/>
+                <a:cs typeface="+mn-cs"/>
+              </a:defRPr>
+            </a:lvl5pPr>
+            <a:lvl6pPr marL="2286000" algn="l" defTabSz="914400" rtl="0" eaLnBrk="1" latinLnBrk="0" hangingPunct="1">
+              <a:defRPr sz="1800" kern="1200">
+                <a:solidFill>
+                  <a:schemeClr val="tx1"/>
+                </a:solidFill>
+                <a:latin typeface="+mn-lt"/>
+                <a:ea typeface="+mn-ea"/>
+                <a:cs typeface="+mn-cs"/>
+              </a:defRPr>
+            </a:lvl6pPr>
+            <a:lvl7pPr marL="2743200" algn="l" defTabSz="914400" rtl="0" eaLnBrk="1" latinLnBrk="0" hangingPunct="1">
+              <a:defRPr sz="1800" kern="1200">
+                <a:solidFill>
+                  <a:schemeClr val="tx1"/>
+                </a:solidFill>
+                <a:latin typeface="+mn-lt"/>
+                <a:ea typeface="+mn-ea"/>
+                <a:cs typeface="+mn-cs"/>
+              </a:defRPr>
+            </a:lvl7pPr>
+            <a:lvl8pPr marL="3200400" algn="l" defTabSz="914400" rtl="0" eaLnBrk="1" latinLnBrk="0" hangingPunct="1">
+              <a:defRPr sz="1800" kern="1200">
+                <a:solidFill>
+                  <a:schemeClr val="tx1"/>
+                </a:solidFill>
+                <a:latin typeface="+mn-lt"/>
+                <a:ea typeface="+mn-ea"/>
+                <a:cs typeface="+mn-cs"/>
+              </a:defRPr>
+            </a:lvl8pPr>
+            <a:lvl9pPr marL="3657600" algn="l" defTabSz="914400" rtl="0" eaLnBrk="1" latinLnBrk="0" hangingPunct="1">
+              <a:defRPr sz="1800" kern="1200">
+                <a:solidFill>
+                  <a:schemeClr val="tx1"/>
+                </a:solidFill>
+                <a:latin typeface="+mn-lt"/>
+                <a:ea typeface="+mn-ea"/>
+                <a:cs typeface="+mn-cs"/>
+              </a:defRPr>
+            </a:lvl9pPr>
+          </a:lstStyle>
+          <a:p>
+            <a:pPr algn="ctr"/>
+            <a:fld id="{D6F01323-A656-431B-B19E-EE6A8E2AF848}" type="slidenum">
+              <a:rPr lang="en-US" sz="1400" b="1" i="0" smtClean="0">
+                <a:solidFill>
+                  <a:schemeClr val="tx1"/>
+                </a:solidFill>
+                <a:latin typeface="Arial" panose="020B0604020202020204" pitchFamily="34" charset="0"/>
+                <a:ea typeface="Inter Semi Bold" panose="020B0502030000000004" pitchFamily="34" charset="0"/>
+                <a:cs typeface="Arial" panose="020B0604020202020204" pitchFamily="34" charset="0"/>
+              </a:rPr>
+              <a:pPr algn="ctr"/>
+              <a:t>13</a:t>
+            </a:fld>
+            <a:endParaRPr lang="en-US" sz="1400" b="1" i="0" dirty="0">
+              <a:solidFill>
+                <a:schemeClr val="tx1"/>
+              </a:solidFill>
+              <a:latin typeface="Arial" panose="020B0604020202020204" pitchFamily="34" charset="0"/>
+              <a:ea typeface="Inter Semi Bold" panose="020B0502030000000004" pitchFamily="34" charset="0"/>
+              <a:cs typeface="Arial" panose="020B0604020202020204" pitchFamily="34" charset="0"/>
+            </a:endParaRPr>
+          </a:p>
+        </p:txBody>
+      </p:sp>
+    </p:spTree>
+    <p:extLst>
+      <p:ext uri="{BB962C8B-B14F-4D97-AF65-F5344CB8AC3E}">
+        <p14:creationId xmlns:p14="http://schemas.microsoft.com/office/powerpoint/2010/main" val="2979907602"/>
+      </p:ext>
+    </p:extLst>
+  </p:cSld>
+  <p:clrMapOvr>
+    <a:masterClrMapping/>
+  </p:clrMapOvr>
+</p:sld>
+</file>
+
+<file path=ppt/slides/slide14.xml><?xml version="1.0" encoding="utf-8"?>
+<p:sld xmlns:a="http://schemas.openxmlformats.org/drawingml/2006/main" xmlns:r="http://schemas.openxmlformats.org/officeDocument/2006/relationships" xmlns:p="http://schemas.openxmlformats.org/presentationml/2006/main">
+  <p:cSld>
+    <p:spTree>
+      <p:nvGrpSpPr>
+        <p:cNvPr id="1" name=""/>
+        <p:cNvGrpSpPr/>
+        <p:nvPr/>
+      </p:nvGrpSpPr>
+      <p:grpSpPr>
+        <a:xfrm>
+          <a:off x="0" y="0"/>
+          <a:ext cx="0" cy="0"/>
+          <a:chOff x="0" y="0"/>
+          <a:chExt cx="0" cy="0"/>
+        </a:xfrm>
+      </p:grpSpPr>
+      <p:sp>
+        <p:nvSpPr>
+          <p:cNvPr id="2" name="Text Placeholder 4">
+            <a:extLst>
+              <a:ext uri="{FF2B5EF4-FFF2-40B4-BE49-F238E27FC236}">
+                <a16:creationId xmlns:a16="http://schemas.microsoft.com/office/drawing/2014/main" id="{47BF44B9-6DB8-C041-A0E1-A9C71DBF8DA1}"/>
+              </a:ext>
+            </a:extLst>
+          </p:cNvPr>
+          <p:cNvSpPr txBox="1">
+            <a:spLocks/>
+          </p:cNvSpPr>
+          <p:nvPr/>
+        </p:nvSpPr>
+        <p:spPr>
+          <a:xfrm>
+            <a:off x="641645" y="600737"/>
+            <a:ext cx="8978606" cy="509636"/>
+          </a:xfrm>
+          <a:prstGeom prst="rect">
+            <a:avLst/>
+          </a:prstGeom>
+        </p:spPr>
+        <p:txBody>
+          <a:bodyPr/>
+          <a:lstStyle>
+            <a:lvl1pPr marL="0" indent="0" algn="l" defTabSz="914400" rtl="0" eaLnBrk="1" latinLnBrk="0" hangingPunct="1">
+              <a:lnSpc>
+                <a:spcPct val="90000"/>
+              </a:lnSpc>
+              <a:spcBef>
+                <a:spcPts val="1000"/>
+              </a:spcBef>
+              <a:buFont typeface="Arial" panose="020B0604020202020204" pitchFamily="34" charset="0"/>
+              <a:buNone/>
+              <a:defRPr sz="3000" b="1" i="0" kern="1200">
+                <a:solidFill>
+                  <a:schemeClr val="tx1"/>
+                </a:solidFill>
+                <a:latin typeface="Arial" panose="020B0604020202020204" pitchFamily="34" charset="0"/>
+                <a:ea typeface="Inter Semi Bold" panose="020B0502030000000004" pitchFamily="34" charset="0"/>
+                <a:cs typeface="Arial" panose="020B0604020202020204" pitchFamily="34" charset="0"/>
+              </a:defRPr>
+            </a:lvl1pPr>
+            <a:lvl2pPr marL="685800" indent="-228600" algn="l" defTabSz="914400" rtl="0" eaLnBrk="1" latinLnBrk="0" hangingPunct="1">
+              <a:lnSpc>
+                <a:spcPct val="90000"/>
+              </a:lnSpc>
+              <a:spcBef>
+                <a:spcPts val="500"/>
+              </a:spcBef>
+              <a:buFont typeface="Arial" panose="020B0604020202020204" pitchFamily="34" charset="0"/>
+              <a:buChar char="•"/>
+              <a:defRPr sz="2400" kern="1200">
+                <a:solidFill>
+                  <a:schemeClr val="bg1"/>
+                </a:solidFill>
+                <a:latin typeface="+mn-lt"/>
+                <a:ea typeface="+mn-ea"/>
+                <a:cs typeface="+mn-cs"/>
+              </a:defRPr>
+            </a:lvl2pPr>
+            <a:lvl3pPr marL="1143000" indent="-228600" algn="l" defTabSz="914400" rtl="0" eaLnBrk="1" latinLnBrk="0" hangingPunct="1">
+              <a:lnSpc>
+                <a:spcPct val="90000"/>
+              </a:lnSpc>
+              <a:spcBef>
+                <a:spcPts val="500"/>
+              </a:spcBef>
+              <a:buFont typeface="Arial" panose="020B0604020202020204" pitchFamily="34" charset="0"/>
+              <a:buChar char="•"/>
+              <a:defRPr sz="2000" kern="1200">
+                <a:solidFill>
+                  <a:schemeClr val="bg1"/>
+                </a:solidFill>
+                <a:latin typeface="+mn-lt"/>
+                <a:ea typeface="+mn-ea"/>
+                <a:cs typeface="+mn-cs"/>
+              </a:defRPr>
+            </a:lvl3pPr>
+            <a:lvl4pPr marL="1600200" indent="-228600" algn="l" defTabSz="914400" rtl="0" eaLnBrk="1" latinLnBrk="0" hangingPunct="1">
+              <a:lnSpc>
+                <a:spcPct val="90000"/>
+              </a:lnSpc>
+              <a:spcBef>
+                <a:spcPts val="500"/>
+              </a:spcBef>
+              <a:buFont typeface="Arial" panose="020B0604020202020204" pitchFamily="34" charset="0"/>
+              <a:buChar char="•"/>
+              <a:defRPr sz="1800" kern="1200">
+                <a:solidFill>
+                  <a:schemeClr val="bg1"/>
+                </a:solidFill>
+                <a:latin typeface="+mn-lt"/>
+                <a:ea typeface="+mn-ea"/>
+                <a:cs typeface="+mn-cs"/>
+              </a:defRPr>
+            </a:lvl4pPr>
+            <a:lvl5pPr marL="2057400" indent="-228600" algn="l" defTabSz="914400" rtl="0" eaLnBrk="1" latinLnBrk="0" hangingPunct="1">
+              <a:lnSpc>
+                <a:spcPct val="90000"/>
+              </a:lnSpc>
+              <a:spcBef>
+                <a:spcPts val="500"/>
+              </a:spcBef>
+              <a:buFont typeface="Arial" panose="020B0604020202020204" pitchFamily="34" charset="0"/>
+              <a:buChar char="•"/>
+              <a:defRPr sz="1800" kern="1200">
+                <a:solidFill>
+                  <a:schemeClr val="bg1"/>
+                </a:solidFill>
+                <a:latin typeface="+mn-lt"/>
+                <a:ea typeface="+mn-ea"/>
+                <a:cs typeface="+mn-cs"/>
+              </a:defRPr>
+            </a:lvl5pPr>
+            <a:lvl6pPr marL="2514600" indent="-228600" algn="l" defTabSz="914400" rtl="0" eaLnBrk="1" latinLnBrk="0" hangingPunct="1">
+              <a:lnSpc>
+                <a:spcPct val="90000"/>
+              </a:lnSpc>
+              <a:spcBef>
+                <a:spcPts val="500"/>
+              </a:spcBef>
+              <a:buFont typeface="Arial" panose="020B0604020202020204" pitchFamily="34" charset="0"/>
+              <a:buChar char="•"/>
+              <a:defRPr sz="1800" kern="1200">
+                <a:solidFill>
+                  <a:schemeClr val="tx1"/>
+                </a:solidFill>
+                <a:latin typeface="+mn-lt"/>
+                <a:ea typeface="+mn-ea"/>
+                <a:cs typeface="+mn-cs"/>
+              </a:defRPr>
+            </a:lvl6pPr>
+            <a:lvl7pPr marL="2971800" indent="-228600" algn="l" defTabSz="914400" rtl="0" eaLnBrk="1" latinLnBrk="0" hangingPunct="1">
+              <a:lnSpc>
+                <a:spcPct val="90000"/>
+              </a:lnSpc>
+              <a:spcBef>
+                <a:spcPts val="500"/>
+              </a:spcBef>
+              <a:buFont typeface="Arial" panose="020B0604020202020204" pitchFamily="34" charset="0"/>
+              <a:buChar char="•"/>
+              <a:defRPr sz="1800" kern="1200">
+                <a:solidFill>
+                  <a:schemeClr val="tx1"/>
+                </a:solidFill>
+                <a:latin typeface="+mn-lt"/>
+                <a:ea typeface="+mn-ea"/>
+                <a:cs typeface="+mn-cs"/>
+              </a:defRPr>
+            </a:lvl7pPr>
+            <a:lvl8pPr marL="3429000" indent="-228600" algn="l" defTabSz="914400" rtl="0" eaLnBrk="1" latinLnBrk="0" hangingPunct="1">
+              <a:lnSpc>
+                <a:spcPct val="90000"/>
+              </a:lnSpc>
+              <a:spcBef>
+                <a:spcPts val="500"/>
+              </a:spcBef>
+              <a:buFont typeface="Arial" panose="020B0604020202020204" pitchFamily="34" charset="0"/>
+              <a:buChar char="•"/>
+              <a:defRPr sz="1800" kern="1200">
+                <a:solidFill>
+                  <a:schemeClr val="tx1"/>
+                </a:solidFill>
+                <a:latin typeface="+mn-lt"/>
+                <a:ea typeface="+mn-ea"/>
+                <a:cs typeface="+mn-cs"/>
+              </a:defRPr>
+            </a:lvl8pPr>
+            <a:lvl9pPr marL="3886200" indent="-228600" algn="l" defTabSz="914400" rtl="0" eaLnBrk="1" latinLnBrk="0" hangingPunct="1">
+              <a:lnSpc>
+                <a:spcPct val="90000"/>
+              </a:lnSpc>
+              <a:spcBef>
+                <a:spcPts val="500"/>
+              </a:spcBef>
+              <a:buFont typeface="Arial" panose="020B0604020202020204" pitchFamily="34" charset="0"/>
+              <a:buChar char="•"/>
+              <a:defRPr sz="1800" kern="1200">
+                <a:solidFill>
+                  <a:schemeClr val="tx1"/>
+                </a:solidFill>
+                <a:latin typeface="+mn-lt"/>
+                <a:ea typeface="+mn-ea"/>
+                <a:cs typeface="+mn-cs"/>
+              </a:defRPr>
+            </a:lvl9pPr>
+          </a:lstStyle>
+          <a:p>
+            <a:r>
+              <a:rPr lang="lt-LT" dirty="0"/>
+              <a:t>Išvados ir rezultatai</a:t>
+            </a:r>
+            <a:endParaRPr lang="en-US" dirty="0"/>
+          </a:p>
+        </p:txBody>
+      </p:sp>
+      <p:sp>
+        <p:nvSpPr>
+          <p:cNvPr id="3" name="Text Placeholder 20">
+            <a:extLst>
+              <a:ext uri="{FF2B5EF4-FFF2-40B4-BE49-F238E27FC236}">
+                <a16:creationId xmlns:a16="http://schemas.microsoft.com/office/drawing/2014/main" id="{CAFE58A0-E161-FF49-BC07-C381DC7F90E7}"/>
+              </a:ext>
+            </a:extLst>
+          </p:cNvPr>
+          <p:cNvSpPr txBox="1">
+            <a:spLocks/>
+          </p:cNvSpPr>
+          <p:nvPr/>
+        </p:nvSpPr>
+        <p:spPr>
+          <a:xfrm>
+            <a:off x="639930" y="1782576"/>
+            <a:ext cx="9828212" cy="4704487"/>
+          </a:xfrm>
+          <a:prstGeom prst="rect">
+            <a:avLst/>
+          </a:prstGeom>
+        </p:spPr>
+        <p:txBody>
+          <a:bodyPr anchor="t"/>
+          <a:lstStyle>
+            <a:lvl1pPr marL="0" indent="0" algn="l" defTabSz="914400" rtl="0" eaLnBrk="1" latinLnBrk="0" hangingPunct="1">
+              <a:lnSpc>
+                <a:spcPct val="110000"/>
+              </a:lnSpc>
+              <a:spcBef>
+                <a:spcPts val="0"/>
+              </a:spcBef>
+              <a:spcAft>
+                <a:spcPts val="0"/>
+              </a:spcAft>
+              <a:buFont typeface="+mj-lt"/>
+              <a:buNone/>
+              <a:defRPr sz="1600" b="0" i="0" kern="1200">
+                <a:solidFill>
+                  <a:schemeClr val="tx1"/>
+                </a:solidFill>
+                <a:latin typeface="Arial" panose="020B0604020202020204" pitchFamily="34" charset="0"/>
+                <a:ea typeface="Inter" panose="020B0502030000000004" pitchFamily="34" charset="0"/>
+                <a:cs typeface="Arial" panose="020B0604020202020204" pitchFamily="34" charset="0"/>
+              </a:defRPr>
+            </a:lvl1pPr>
+            <a:lvl2pPr marL="685800" indent="-228600" algn="l" defTabSz="914400" rtl="0" eaLnBrk="1" latinLnBrk="0" hangingPunct="1">
+              <a:lnSpc>
+                <a:spcPct val="90000"/>
+              </a:lnSpc>
+              <a:spcBef>
+                <a:spcPts val="500"/>
+              </a:spcBef>
+              <a:buFont typeface="Arial" panose="020B0604020202020204" pitchFamily="34" charset="0"/>
+              <a:buChar char="•"/>
+              <a:defRPr sz="2400" kern="1200">
+                <a:solidFill>
+                  <a:schemeClr val="tx1"/>
+                </a:solidFill>
+                <a:latin typeface="+mn-lt"/>
+                <a:ea typeface="+mn-ea"/>
+                <a:cs typeface="+mn-cs"/>
+              </a:defRPr>
+            </a:lvl2pPr>
+            <a:lvl3pPr marL="1143000" indent="-228600" algn="l" defTabSz="914400" rtl="0" eaLnBrk="1" latinLnBrk="0" hangingPunct="1">
+              <a:lnSpc>
+                <a:spcPct val="90000"/>
+              </a:lnSpc>
+              <a:spcBef>
+                <a:spcPts val="500"/>
+              </a:spcBef>
+              <a:buFont typeface="Arial" panose="020B0604020202020204" pitchFamily="34" charset="0"/>
+              <a:buChar char="•"/>
+              <a:defRPr sz="2000" kern="1200">
+                <a:solidFill>
+                  <a:schemeClr val="tx1"/>
+                </a:solidFill>
+                <a:latin typeface="+mn-lt"/>
+                <a:ea typeface="+mn-ea"/>
+                <a:cs typeface="+mn-cs"/>
+              </a:defRPr>
+            </a:lvl3pPr>
+            <a:lvl4pPr marL="1600200" indent="-228600" algn="l" defTabSz="914400" rtl="0" eaLnBrk="1" latinLnBrk="0" hangingPunct="1">
+              <a:lnSpc>
+                <a:spcPct val="90000"/>
+              </a:lnSpc>
+              <a:spcBef>
+                <a:spcPts val="500"/>
+              </a:spcBef>
+              <a:buFont typeface="Arial" panose="020B0604020202020204" pitchFamily="34" charset="0"/>
+              <a:buChar char="•"/>
+              <a:defRPr sz="1800" kern="1200">
+                <a:solidFill>
+                  <a:schemeClr val="tx1"/>
+                </a:solidFill>
+                <a:latin typeface="+mn-lt"/>
+                <a:ea typeface="+mn-ea"/>
+                <a:cs typeface="+mn-cs"/>
+              </a:defRPr>
+            </a:lvl4pPr>
+            <a:lvl5pPr marL="2057400" indent="-228600" algn="l" defTabSz="914400" rtl="0" eaLnBrk="1" latinLnBrk="0" hangingPunct="1">
+              <a:lnSpc>
+                <a:spcPct val="90000"/>
+              </a:lnSpc>
+              <a:spcBef>
+                <a:spcPts val="500"/>
+              </a:spcBef>
+              <a:buFont typeface="Arial" panose="020B0604020202020204" pitchFamily="34" charset="0"/>
+              <a:buChar char="•"/>
+              <a:defRPr sz="1800" kern="1200">
+                <a:solidFill>
+                  <a:schemeClr val="tx1"/>
+                </a:solidFill>
+                <a:latin typeface="+mn-lt"/>
+                <a:ea typeface="+mn-ea"/>
+                <a:cs typeface="+mn-cs"/>
+              </a:defRPr>
+            </a:lvl5pPr>
+            <a:lvl6pPr marL="2514600" indent="-228600" algn="l" defTabSz="914400" rtl="0" eaLnBrk="1" latinLnBrk="0" hangingPunct="1">
+              <a:lnSpc>
+                <a:spcPct val="90000"/>
+              </a:lnSpc>
+              <a:spcBef>
+                <a:spcPts val="500"/>
+              </a:spcBef>
+              <a:buFont typeface="Arial" panose="020B0604020202020204" pitchFamily="34" charset="0"/>
+              <a:buChar char="•"/>
+              <a:defRPr sz="1800" kern="1200">
+                <a:solidFill>
+                  <a:schemeClr val="tx1"/>
+                </a:solidFill>
+                <a:latin typeface="+mn-lt"/>
+                <a:ea typeface="+mn-ea"/>
+                <a:cs typeface="+mn-cs"/>
+              </a:defRPr>
+            </a:lvl6pPr>
+            <a:lvl7pPr marL="2971800" indent="-228600" algn="l" defTabSz="914400" rtl="0" eaLnBrk="1" latinLnBrk="0" hangingPunct="1">
+              <a:lnSpc>
+                <a:spcPct val="90000"/>
+              </a:lnSpc>
+              <a:spcBef>
+                <a:spcPts val="500"/>
+              </a:spcBef>
+              <a:buFont typeface="Arial" panose="020B0604020202020204" pitchFamily="34" charset="0"/>
+              <a:buChar char="•"/>
+              <a:defRPr sz="1800" kern="1200">
+                <a:solidFill>
+                  <a:schemeClr val="tx1"/>
+                </a:solidFill>
+                <a:latin typeface="+mn-lt"/>
+                <a:ea typeface="+mn-ea"/>
+                <a:cs typeface="+mn-cs"/>
+              </a:defRPr>
+            </a:lvl7pPr>
+            <a:lvl8pPr marL="3429000" indent="-228600" algn="l" defTabSz="914400" rtl="0" eaLnBrk="1" latinLnBrk="0" hangingPunct="1">
+              <a:lnSpc>
+                <a:spcPct val="90000"/>
+              </a:lnSpc>
+              <a:spcBef>
+                <a:spcPts val="500"/>
+              </a:spcBef>
+              <a:buFont typeface="Arial" panose="020B0604020202020204" pitchFamily="34" charset="0"/>
+              <a:buChar char="•"/>
+              <a:defRPr sz="1800" kern="1200">
+                <a:solidFill>
+                  <a:schemeClr val="tx1"/>
+                </a:solidFill>
+                <a:latin typeface="+mn-lt"/>
+                <a:ea typeface="+mn-ea"/>
+                <a:cs typeface="+mn-cs"/>
+              </a:defRPr>
+            </a:lvl8pPr>
+            <a:lvl9pPr marL="3886200" indent="-228600" algn="l" defTabSz="914400" rtl="0" eaLnBrk="1" latinLnBrk="0" hangingPunct="1">
+              <a:lnSpc>
+                <a:spcPct val="90000"/>
+              </a:lnSpc>
+              <a:spcBef>
+                <a:spcPts val="500"/>
+              </a:spcBef>
+              <a:buFont typeface="Arial" panose="020B0604020202020204" pitchFamily="34" charset="0"/>
+              <a:buChar char="•"/>
+              <a:defRPr sz="1800" kern="1200">
+                <a:solidFill>
+                  <a:schemeClr val="tx1"/>
+                </a:solidFill>
+                <a:latin typeface="+mn-lt"/>
+                <a:ea typeface="+mn-ea"/>
+                <a:cs typeface="+mn-cs"/>
+              </a:defRPr>
+            </a:lvl9pPr>
+          </a:lstStyle>
           <a:p>
             <a:pPr marL="457200" indent="-457200">
               <a:spcBef>
@@ -34538,7 +34111,7 @@
                 <a:effectLst/>
                 <a:ea typeface="Calibri" panose="020F0502020204030204" pitchFamily="34" charset="0"/>
               </a:rPr>
-              <a:t>Sistema sėkmingai realizuota. Mokytojas atsakingas už mokinių, temų, potemių ir uždavinių administravimą, mokiniui suteikta galimybę rašyti kodą </a:t>
+              <a:t>Sistema sėkmingai realizuota. Mokytojas gali kurti temas, potemes, uždavinius bei administruoti mokinius. Mokinys gali rašyti kodą </a:t>
             </a:r>
             <a:r>
               <a:rPr lang="lt-LT" sz="2200" i="1" dirty="0" err="1">
@@ -34552,7 +34125,7 @@
                 <a:effectLst/>
                 <a:ea typeface="Calibri" panose="020F0502020204030204" pitchFamily="34" charset="0"/>
               </a:rPr>
-              <a:t> programavimo kalba pačioje naršyklėje, vykdyti kodo kompiliavimą naršyklėje bei gauti automatinį grįžtamąjį ryšį, administratorius atsakingas už elektroninės parduotuvės administravimą. Parengtas išsamus naudotojo sąsajos vadovas, kurioje pateikiamas kiekvienas sistemoje egzistuojantis langas bei aptariama kiekvieno mygtuko nauda. </a:t>
+              <a:t> programavimo kalba pačioje naršyklėje, vykdyti kodo kompiliavimą naršyklėje bei gauti automatini grįžtamąjį ryšį. Administratorius yra atsakingas už elektroninės parduotuvės administravimą. Kodo kompiliavimas naršyklėje suteikia galimybę tai daryti be papildomo serverio, tačiau vienas iš minusų - neįmanoma skaityti duomenis iš failo bei spausdinti rezultatus į failą.</a:t>
             </a:r>
             <a:endParaRPr lang="en-US" sz="2200" dirty="0">
               <a:effectLst/>
@@ -34753,7 +34326,7 @@
                 <a:cs typeface="Arial" panose="020B0604020202020204" pitchFamily="34" charset="0"/>
               </a:rPr>
               <a:pPr algn="ctr"/>
-              <a:t>15</a:t>
+              <a:t>14</a:t>
             </a:fld>
             <a:endParaRPr lang="en-US" sz="1400" b="1" i="0" dirty="0">
               <a:solidFill>
@@ -38892,7 +38465,7 @@
           <p:nvPr/>
         </p:nvPicPr>
         <p:blipFill>
-          <a:blip r:embed="rId2"/>
+          <a:blip r:embed="rId3"/>
           <a:stretch>
             <a:fillRect/>
           </a:stretch>
@@ -38922,7 +38495,7 @@
           <p:nvPr/>
         </p:nvPicPr>
         <p:blipFill>
-          <a:blip r:embed="rId3"/>
+          <a:blip r:embed="rId4"/>
           <a:stretch>
             <a:fillRect/>
           </a:stretch>
@@ -39097,7 +38670,7 @@
         <p:spPr>
           <a:xfrm>
             <a:off x="845389" y="1641981"/>
-            <a:ext cx="10092905" cy="4544129"/>
+            <a:ext cx="10092905" cy="4844981"/>
           </a:xfrm>
           <a:prstGeom prst="rect">
             <a:avLst/>
@@ -39286,7 +38859,7 @@
                 <a:ea typeface="Calibri" panose="020F0502020204030204" pitchFamily="34" charset="0"/>
                 <a:cs typeface="Arial" panose="020B0604020202020204" pitchFamily="34" charset="0"/>
               </a:rPr>
-              <a:t>Kliento ir serverio komunikacijos apsauga pagrįsta </a:t>
+              <a:t>Kliento ir serverio komunikacijos autorizacija turi būti pagrįsta </a:t>
             </a:r>
             <a:r>
               <a:rPr lang="lt-LT" sz="1700" i="1" dirty="0">
@@ -39436,7 +39009,7 @@
                 <a:ea typeface="Calibri" panose="020F0502020204030204" pitchFamily="34" charset="0"/>
                 <a:cs typeface="Arial" panose="020B0604020202020204" pitchFamily="34" charset="0"/>
               </a:rPr>
-              <a:t>Grafinė naudotojo sąsaja turi būti pritaikyta ir mobiliesiems įrenginiams, ir planšetėms.</a:t>
+              <a:t>Grafinė naudotojo sąsaja turi būti pritaikyta kompiuteriams, mobiliesiems įrenginiams ir  planšetėms.</a:t>
             </a:r>
             <a:endParaRPr lang="en-US" sz="1700" dirty="0">
               <a:effectLst/>

--- a/Rokas_Sičiovas_Pristatymas.pptx
+++ b/Rokas_Sičiovas_Pristatymas.pptx
@@ -7,10 +7,10 @@
     <p:sldMasterId id="2147483707" r:id="rId3"/>
   </p:sldMasterIdLst>
   <p:notesMasterIdLst>
-    <p:notesMasterId r:id="rId18"/>
+    <p:notesMasterId r:id="rId17"/>
   </p:notesMasterIdLst>
   <p:handoutMasterIdLst>
-    <p:handoutMasterId r:id="rId19"/>
+    <p:handoutMasterId r:id="rId18"/>
   </p:handoutMasterIdLst>
   <p:sldIdLst>
     <p:sldId id="256" r:id="rId4"/>
@@ -22,11 +22,10 @@
     <p:sldId id="267" r:id="rId10"/>
     <p:sldId id="268" r:id="rId11"/>
     <p:sldId id="269" r:id="rId12"/>
-    <p:sldId id="270" r:id="rId13"/>
-    <p:sldId id="271" r:id="rId14"/>
-    <p:sldId id="272" r:id="rId15"/>
-    <p:sldId id="276" r:id="rId16"/>
-    <p:sldId id="277" r:id="rId17"/>
+    <p:sldId id="271" r:id="rId13"/>
+    <p:sldId id="272" r:id="rId14"/>
+    <p:sldId id="276" r:id="rId15"/>
+    <p:sldId id="277" r:id="rId16"/>
   </p:sldIdLst>
   <p:sldSz cx="12192000" cy="6858000"/>
   <p:notesSz cx="6858000" cy="9144000"/>
@@ -10873,7 +10872,7 @@
           <a:p>
             <a:fld id="{72F77756-703A-4C45-96D0-2261A4FADC57}" type="datetimeFigureOut">
               <a:rPr lang="en-US" smtClean="0"/>
-              <a:t>5/8/2023</a:t>
+              <a:t>5/12/2023</a:t>
             </a:fld>
             <a:endParaRPr lang="en-US"/>
           </a:p>
@@ -11051,7 +11050,7 @@
           <a:p>
             <a:fld id="{7E4A7845-6E42-A54B-BDCA-C3518250E7BF}" type="datetimeFigureOut">
               <a:rPr lang="en-US" smtClean="0"/>
-              <a:t>5/8/2023</a:t>
+              <a:t>5/12/2023</a:t>
             </a:fld>
             <a:endParaRPr lang="en-US"/>
           </a:p>
@@ -31183,469 +31182,6 @@
           <a:p>
             <a:r>
               <a:rPr lang="lt-LT" dirty="0"/>
-              <a:t>„Spręsti uždavinį“ veiklos diagrama</a:t>
-            </a:r>
-            <a:endParaRPr lang="en-US" dirty="0"/>
-          </a:p>
-        </p:txBody>
-      </p:sp>
-      <p:pic>
-        <p:nvPicPr>
-          <p:cNvPr id="5" name="Picture 4">
-            <a:extLst>
-              <a:ext uri="{FF2B5EF4-FFF2-40B4-BE49-F238E27FC236}">
-                <a16:creationId xmlns:a16="http://schemas.microsoft.com/office/drawing/2014/main" id="{83B73673-4145-554C-BB27-F7144E19CFB9}"/>
-              </a:ext>
-            </a:extLst>
-          </p:cNvPr>
-          <p:cNvPicPr>
-            <a:picLocks noChangeAspect="1"/>
-          </p:cNvPicPr>
-          <p:nvPr/>
-        </p:nvPicPr>
-        <p:blipFill>
-          <a:blip r:embed="rId2"/>
-          <a:stretch>
-            <a:fillRect/>
-          </a:stretch>
-        </p:blipFill>
-        <p:spPr>
-          <a:xfrm>
-            <a:off x="0" y="1351225"/>
-            <a:ext cx="12192000" cy="190500"/>
-          </a:xfrm>
-          <a:prstGeom prst="rect">
-            <a:avLst/>
-          </a:prstGeom>
-        </p:spPr>
-      </p:pic>
-      <p:pic>
-        <p:nvPicPr>
-          <p:cNvPr id="6" name="Picture 5">
-            <a:extLst>
-              <a:ext uri="{FF2B5EF4-FFF2-40B4-BE49-F238E27FC236}">
-                <a16:creationId xmlns:a16="http://schemas.microsoft.com/office/drawing/2014/main" id="{B487F325-02EB-F242-B1D6-475FE32A770F}"/>
-              </a:ext>
-            </a:extLst>
-          </p:cNvPr>
-          <p:cNvPicPr>
-            <a:picLocks noChangeAspect="1"/>
-          </p:cNvPicPr>
-          <p:nvPr/>
-        </p:nvPicPr>
-        <p:blipFill>
-          <a:blip r:embed="rId3"/>
-          <a:stretch>
-            <a:fillRect/>
-          </a:stretch>
-        </p:blipFill>
-        <p:spPr>
-          <a:xfrm>
-            <a:off x="11163222" y="696316"/>
-            <a:ext cx="590985" cy="318475"/>
-          </a:xfrm>
-          <a:prstGeom prst="rect">
-            <a:avLst/>
-          </a:prstGeom>
-        </p:spPr>
-      </p:pic>
-      <p:sp>
-        <p:nvSpPr>
-          <p:cNvPr id="7" name="Slide Number Placeholder 3">
-            <a:extLst>
-              <a:ext uri="{FF2B5EF4-FFF2-40B4-BE49-F238E27FC236}">
-                <a16:creationId xmlns:a16="http://schemas.microsoft.com/office/drawing/2014/main" id="{F1B68A5B-BC1B-104C-B778-743D097D6A3F}"/>
-              </a:ext>
-            </a:extLst>
-          </p:cNvPr>
-          <p:cNvSpPr txBox="1">
-            <a:spLocks/>
-          </p:cNvSpPr>
-          <p:nvPr/>
-        </p:nvSpPr>
-        <p:spPr>
-          <a:xfrm>
-            <a:off x="11163044" y="6286367"/>
-            <a:ext cx="922601" cy="365125"/>
-          </a:xfrm>
-          <a:prstGeom prst="rect">
-            <a:avLst/>
-          </a:prstGeom>
-        </p:spPr>
-        <p:txBody>
-          <a:bodyPr anchor="b"/>
-          <a:lstStyle>
-            <a:defPPr>
-              <a:defRPr lang="en-US"/>
-            </a:defPPr>
-            <a:lvl1pPr marL="0" algn="r" defTabSz="914400" rtl="0" eaLnBrk="1" latinLnBrk="0" hangingPunct="1">
-              <a:defRPr sz="1500" b="1" i="0" kern="1200">
-                <a:solidFill>
-                  <a:schemeClr val="bg1"/>
-                </a:solidFill>
-                <a:latin typeface="Arial" panose="020B0604020202020204" pitchFamily="34" charset="0"/>
-                <a:ea typeface="+mn-ea"/>
-                <a:cs typeface="Arial" panose="020B0604020202020204" pitchFamily="34" charset="0"/>
-              </a:defRPr>
-            </a:lvl1pPr>
-            <a:lvl2pPr marL="457200" algn="l" defTabSz="914400" rtl="0" eaLnBrk="1" latinLnBrk="0" hangingPunct="1">
-              <a:defRPr sz="1800" kern="1200">
-                <a:solidFill>
-                  <a:schemeClr val="tx1"/>
-                </a:solidFill>
-                <a:latin typeface="+mn-lt"/>
-                <a:ea typeface="+mn-ea"/>
-                <a:cs typeface="+mn-cs"/>
-              </a:defRPr>
-            </a:lvl2pPr>
-            <a:lvl3pPr marL="914400" algn="l" defTabSz="914400" rtl="0" eaLnBrk="1" latinLnBrk="0" hangingPunct="1">
-              <a:defRPr sz="1800" kern="1200">
-                <a:solidFill>
-                  <a:schemeClr val="tx1"/>
-                </a:solidFill>
-                <a:latin typeface="+mn-lt"/>
-                <a:ea typeface="+mn-ea"/>
-                <a:cs typeface="+mn-cs"/>
-              </a:defRPr>
-            </a:lvl3pPr>
-            <a:lvl4pPr marL="1371600" algn="l" defTabSz="914400" rtl="0" eaLnBrk="1" latinLnBrk="0" hangingPunct="1">
-              <a:defRPr sz="1800" kern="1200">
-                <a:solidFill>
-                  <a:schemeClr val="tx1"/>
-                </a:solidFill>
-                <a:latin typeface="+mn-lt"/>
-                <a:ea typeface="+mn-ea"/>
-                <a:cs typeface="+mn-cs"/>
-              </a:defRPr>
-            </a:lvl4pPr>
-            <a:lvl5pPr marL="1828800" algn="l" defTabSz="914400" rtl="0" eaLnBrk="1" latinLnBrk="0" hangingPunct="1">
-              <a:defRPr sz="1800" kern="1200">
-                <a:solidFill>
-                  <a:schemeClr val="tx1"/>
-                </a:solidFill>
-                <a:latin typeface="+mn-lt"/>
-                <a:ea typeface="+mn-ea"/>
-                <a:cs typeface="+mn-cs"/>
-              </a:defRPr>
-            </a:lvl5pPr>
-            <a:lvl6pPr marL="2286000" algn="l" defTabSz="914400" rtl="0" eaLnBrk="1" latinLnBrk="0" hangingPunct="1">
-              <a:defRPr sz="1800" kern="1200">
-                <a:solidFill>
-                  <a:schemeClr val="tx1"/>
-                </a:solidFill>
-                <a:latin typeface="+mn-lt"/>
-                <a:ea typeface="+mn-ea"/>
-                <a:cs typeface="+mn-cs"/>
-              </a:defRPr>
-            </a:lvl6pPr>
-            <a:lvl7pPr marL="2743200" algn="l" defTabSz="914400" rtl="0" eaLnBrk="1" latinLnBrk="0" hangingPunct="1">
-              <a:defRPr sz="1800" kern="1200">
-                <a:solidFill>
-                  <a:schemeClr val="tx1"/>
-                </a:solidFill>
-                <a:latin typeface="+mn-lt"/>
-                <a:ea typeface="+mn-ea"/>
-                <a:cs typeface="+mn-cs"/>
-              </a:defRPr>
-            </a:lvl7pPr>
-            <a:lvl8pPr marL="3200400" algn="l" defTabSz="914400" rtl="0" eaLnBrk="1" latinLnBrk="0" hangingPunct="1">
-              <a:defRPr sz="1800" kern="1200">
-                <a:solidFill>
-                  <a:schemeClr val="tx1"/>
-                </a:solidFill>
-                <a:latin typeface="+mn-lt"/>
-                <a:ea typeface="+mn-ea"/>
-                <a:cs typeface="+mn-cs"/>
-              </a:defRPr>
-            </a:lvl8pPr>
-            <a:lvl9pPr marL="3657600" algn="l" defTabSz="914400" rtl="0" eaLnBrk="1" latinLnBrk="0" hangingPunct="1">
-              <a:defRPr sz="1800" kern="1200">
-                <a:solidFill>
-                  <a:schemeClr val="tx1"/>
-                </a:solidFill>
-                <a:latin typeface="+mn-lt"/>
-                <a:ea typeface="+mn-ea"/>
-                <a:cs typeface="+mn-cs"/>
-              </a:defRPr>
-            </a:lvl9pPr>
-          </a:lstStyle>
-          <a:p>
-            <a:pPr algn="ctr"/>
-            <a:fld id="{D6F01323-A656-431B-B19E-EE6A8E2AF848}" type="slidenum">
-              <a:rPr lang="en-US" sz="1400" b="1" i="0" smtClean="0">
-                <a:solidFill>
-                  <a:schemeClr val="tx1"/>
-                </a:solidFill>
-                <a:latin typeface="Arial" panose="020B0604020202020204" pitchFamily="34" charset="0"/>
-                <a:ea typeface="Inter Semi Bold" panose="020B0502030000000004" pitchFamily="34" charset="0"/>
-                <a:cs typeface="Arial" panose="020B0604020202020204" pitchFamily="34" charset="0"/>
-              </a:rPr>
-              <a:pPr algn="ctr"/>
-              <a:t>10</a:t>
-            </a:fld>
-            <a:endParaRPr lang="en-US" sz="1400" b="1" i="0" dirty="0">
-              <a:solidFill>
-                <a:schemeClr val="tx1"/>
-              </a:solidFill>
-              <a:latin typeface="Arial" panose="020B0604020202020204" pitchFamily="34" charset="0"/>
-              <a:ea typeface="Inter Semi Bold" panose="020B0502030000000004" pitchFamily="34" charset="0"/>
-              <a:cs typeface="Arial" panose="020B0604020202020204" pitchFamily="34" charset="0"/>
-            </a:endParaRPr>
-          </a:p>
-        </p:txBody>
-      </p:sp>
-      <p:pic>
-        <p:nvPicPr>
-          <p:cNvPr id="9" name="Picture 8">
-            <a:extLst>
-              <a:ext uri="{FF2B5EF4-FFF2-40B4-BE49-F238E27FC236}">
-                <a16:creationId xmlns:a16="http://schemas.microsoft.com/office/drawing/2014/main" id="{5E9BF4F6-720F-48AF-A1EC-80AE1DCE88A8}"/>
-              </a:ext>
-            </a:extLst>
-          </p:cNvPr>
-          <p:cNvPicPr>
-            <a:picLocks noChangeAspect="1"/>
-          </p:cNvPicPr>
-          <p:nvPr/>
-        </p:nvPicPr>
-        <p:blipFill>
-          <a:blip r:embed="rId4"/>
-          <a:stretch>
-            <a:fillRect/>
-          </a:stretch>
-        </p:blipFill>
-        <p:spPr>
-          <a:xfrm>
-            <a:off x="3614979" y="1541725"/>
-            <a:ext cx="4962041" cy="5301497"/>
-          </a:xfrm>
-          <a:prstGeom prst="rect">
-            <a:avLst/>
-          </a:prstGeom>
-        </p:spPr>
-      </p:pic>
-    </p:spTree>
-    <p:extLst>
-      <p:ext uri="{BB962C8B-B14F-4D97-AF65-F5344CB8AC3E}">
-        <p14:creationId xmlns:p14="http://schemas.microsoft.com/office/powerpoint/2010/main" val="2399726440"/>
-      </p:ext>
-    </p:extLst>
-  </p:cSld>
-  <p:clrMapOvr>
-    <a:masterClrMapping/>
-  </p:clrMapOvr>
-</p:sld>
-</file>
-
-<file path=ppt/slides/slide11.xml><?xml version="1.0" encoding="utf-8"?>
-<p:sld xmlns:a="http://schemas.openxmlformats.org/drawingml/2006/main" xmlns:r="http://schemas.openxmlformats.org/officeDocument/2006/relationships" xmlns:p="http://schemas.openxmlformats.org/presentationml/2006/main">
-  <p:cSld>
-    <p:spTree>
-      <p:nvGrpSpPr>
-        <p:cNvPr id="1" name=""/>
-        <p:cNvGrpSpPr/>
-        <p:nvPr/>
-      </p:nvGrpSpPr>
-      <p:grpSpPr>
-        <a:xfrm>
-          <a:off x="0" y="0"/>
-          <a:ext cx="0" cy="0"/>
-          <a:chOff x="0" y="0"/>
-          <a:chExt cx="0" cy="0"/>
-        </a:xfrm>
-      </p:grpSpPr>
-      <p:sp>
-        <p:nvSpPr>
-          <p:cNvPr id="2" name="Text Placeholder 4">
-            <a:extLst>
-              <a:ext uri="{FF2B5EF4-FFF2-40B4-BE49-F238E27FC236}">
-                <a16:creationId xmlns:a16="http://schemas.microsoft.com/office/drawing/2014/main" id="{47BF44B9-6DB8-C041-A0E1-A9C71DBF8DA1}"/>
-              </a:ext>
-            </a:extLst>
-          </p:cNvPr>
-          <p:cNvSpPr txBox="1">
-            <a:spLocks/>
-          </p:cNvSpPr>
-          <p:nvPr/>
-        </p:nvSpPr>
-        <p:spPr>
-          <a:xfrm>
-            <a:off x="641645" y="600737"/>
-            <a:ext cx="8978606" cy="509636"/>
-          </a:xfrm>
-          <a:prstGeom prst="rect">
-            <a:avLst/>
-          </a:prstGeom>
-        </p:spPr>
-        <p:txBody>
-          <a:bodyPr/>
-          <a:lstStyle>
-            <a:lvl1pPr marL="0" indent="0" algn="l" defTabSz="914400" rtl="0" eaLnBrk="1" latinLnBrk="0" hangingPunct="1">
-              <a:lnSpc>
-                <a:spcPct val="90000"/>
-              </a:lnSpc>
-              <a:spcBef>
-                <a:spcPts val="1000"/>
-              </a:spcBef>
-              <a:buFont typeface="Arial" panose="020B0604020202020204" pitchFamily="34" charset="0"/>
-              <a:buNone/>
-              <a:defRPr sz="3000" b="1" i="0" kern="1200">
-                <a:solidFill>
-                  <a:schemeClr val="tx1"/>
-                </a:solidFill>
-                <a:latin typeface="Arial" panose="020B0604020202020204" pitchFamily="34" charset="0"/>
-                <a:ea typeface="Inter Semi Bold" panose="020B0502030000000004" pitchFamily="34" charset="0"/>
-                <a:cs typeface="Arial" panose="020B0604020202020204" pitchFamily="34" charset="0"/>
-              </a:defRPr>
-            </a:lvl1pPr>
-            <a:lvl2pPr marL="685800" indent="-228600" algn="l" defTabSz="914400" rtl="0" eaLnBrk="1" latinLnBrk="0" hangingPunct="1">
-              <a:lnSpc>
-                <a:spcPct val="90000"/>
-              </a:lnSpc>
-              <a:spcBef>
-                <a:spcPts val="500"/>
-              </a:spcBef>
-              <a:buFont typeface="Arial" panose="020B0604020202020204" pitchFamily="34" charset="0"/>
-              <a:buChar char="•"/>
-              <a:defRPr sz="2400" kern="1200">
-                <a:solidFill>
-                  <a:schemeClr val="bg1"/>
-                </a:solidFill>
-                <a:latin typeface="+mn-lt"/>
-                <a:ea typeface="+mn-ea"/>
-                <a:cs typeface="+mn-cs"/>
-              </a:defRPr>
-            </a:lvl2pPr>
-            <a:lvl3pPr marL="1143000" indent="-228600" algn="l" defTabSz="914400" rtl="0" eaLnBrk="1" latinLnBrk="0" hangingPunct="1">
-              <a:lnSpc>
-                <a:spcPct val="90000"/>
-              </a:lnSpc>
-              <a:spcBef>
-                <a:spcPts val="500"/>
-              </a:spcBef>
-              <a:buFont typeface="Arial" panose="020B0604020202020204" pitchFamily="34" charset="0"/>
-              <a:buChar char="•"/>
-              <a:defRPr sz="2000" kern="1200">
-                <a:solidFill>
-                  <a:schemeClr val="bg1"/>
-                </a:solidFill>
-                <a:latin typeface="+mn-lt"/>
-                <a:ea typeface="+mn-ea"/>
-                <a:cs typeface="+mn-cs"/>
-              </a:defRPr>
-            </a:lvl3pPr>
-            <a:lvl4pPr marL="1600200" indent="-228600" algn="l" defTabSz="914400" rtl="0" eaLnBrk="1" latinLnBrk="0" hangingPunct="1">
-              <a:lnSpc>
-                <a:spcPct val="90000"/>
-              </a:lnSpc>
-              <a:spcBef>
-                <a:spcPts val="500"/>
-              </a:spcBef>
-              <a:buFont typeface="Arial" panose="020B0604020202020204" pitchFamily="34" charset="0"/>
-              <a:buChar char="•"/>
-              <a:defRPr sz="1800" kern="1200">
-                <a:solidFill>
-                  <a:schemeClr val="bg1"/>
-                </a:solidFill>
-                <a:latin typeface="+mn-lt"/>
-                <a:ea typeface="+mn-ea"/>
-                <a:cs typeface="+mn-cs"/>
-              </a:defRPr>
-            </a:lvl4pPr>
-            <a:lvl5pPr marL="2057400" indent="-228600" algn="l" defTabSz="914400" rtl="0" eaLnBrk="1" latinLnBrk="0" hangingPunct="1">
-              <a:lnSpc>
-                <a:spcPct val="90000"/>
-              </a:lnSpc>
-              <a:spcBef>
-                <a:spcPts val="500"/>
-              </a:spcBef>
-              <a:buFont typeface="Arial" panose="020B0604020202020204" pitchFamily="34" charset="0"/>
-              <a:buChar char="•"/>
-              <a:defRPr sz="1800" kern="1200">
-                <a:solidFill>
-                  <a:schemeClr val="bg1"/>
-                </a:solidFill>
-                <a:latin typeface="+mn-lt"/>
-                <a:ea typeface="+mn-ea"/>
-                <a:cs typeface="+mn-cs"/>
-              </a:defRPr>
-            </a:lvl5pPr>
-            <a:lvl6pPr marL="2514600" indent="-228600" algn="l" defTabSz="914400" rtl="0" eaLnBrk="1" latinLnBrk="0" hangingPunct="1">
-              <a:lnSpc>
-                <a:spcPct val="90000"/>
-              </a:lnSpc>
-              <a:spcBef>
-                <a:spcPts val="500"/>
-              </a:spcBef>
-              <a:buFont typeface="Arial" panose="020B0604020202020204" pitchFamily="34" charset="0"/>
-              <a:buChar char="•"/>
-              <a:defRPr sz="1800" kern="1200">
-                <a:solidFill>
-                  <a:schemeClr val="tx1"/>
-                </a:solidFill>
-                <a:latin typeface="+mn-lt"/>
-                <a:ea typeface="+mn-ea"/>
-                <a:cs typeface="+mn-cs"/>
-              </a:defRPr>
-            </a:lvl6pPr>
-            <a:lvl7pPr marL="2971800" indent="-228600" algn="l" defTabSz="914400" rtl="0" eaLnBrk="1" latinLnBrk="0" hangingPunct="1">
-              <a:lnSpc>
-                <a:spcPct val="90000"/>
-              </a:lnSpc>
-              <a:spcBef>
-                <a:spcPts val="500"/>
-              </a:spcBef>
-              <a:buFont typeface="Arial" panose="020B0604020202020204" pitchFamily="34" charset="0"/>
-              <a:buChar char="•"/>
-              <a:defRPr sz="1800" kern="1200">
-                <a:solidFill>
-                  <a:schemeClr val="tx1"/>
-                </a:solidFill>
-                <a:latin typeface="+mn-lt"/>
-                <a:ea typeface="+mn-ea"/>
-                <a:cs typeface="+mn-cs"/>
-              </a:defRPr>
-            </a:lvl7pPr>
-            <a:lvl8pPr marL="3429000" indent="-228600" algn="l" defTabSz="914400" rtl="0" eaLnBrk="1" latinLnBrk="0" hangingPunct="1">
-              <a:lnSpc>
-                <a:spcPct val="90000"/>
-              </a:lnSpc>
-              <a:spcBef>
-                <a:spcPts val="500"/>
-              </a:spcBef>
-              <a:buFont typeface="Arial" panose="020B0604020202020204" pitchFamily="34" charset="0"/>
-              <a:buChar char="•"/>
-              <a:defRPr sz="1800" kern="1200">
-                <a:solidFill>
-                  <a:schemeClr val="tx1"/>
-                </a:solidFill>
-                <a:latin typeface="+mn-lt"/>
-                <a:ea typeface="+mn-ea"/>
-                <a:cs typeface="+mn-cs"/>
-              </a:defRPr>
-            </a:lvl8pPr>
-            <a:lvl9pPr marL="3886200" indent="-228600" algn="l" defTabSz="914400" rtl="0" eaLnBrk="1" latinLnBrk="0" hangingPunct="1">
-              <a:lnSpc>
-                <a:spcPct val="90000"/>
-              </a:lnSpc>
-              <a:spcBef>
-                <a:spcPts val="500"/>
-              </a:spcBef>
-              <a:buFont typeface="Arial" panose="020B0604020202020204" pitchFamily="34" charset="0"/>
-              <a:buChar char="•"/>
-              <a:defRPr sz="1800" kern="1200">
-                <a:solidFill>
-                  <a:schemeClr val="tx1"/>
-                </a:solidFill>
-                <a:latin typeface="+mn-lt"/>
-                <a:ea typeface="+mn-ea"/>
-                <a:cs typeface="+mn-cs"/>
-              </a:defRPr>
-            </a:lvl9pPr>
-          </a:lstStyle>
-          <a:p>
-            <a:r>
-              <a:rPr lang="lt-LT" dirty="0"/>
               <a:t>Testavimo strategija</a:t>
             </a:r>
             <a:endParaRPr lang="en-US" dirty="0"/>
@@ -32044,7 +31580,7 @@
                 <a:cs typeface="Arial" panose="020B0604020202020204" pitchFamily="34" charset="0"/>
               </a:rPr>
               <a:pPr algn="ctr"/>
-              <a:t>11</a:t>
+              <a:t>10</a:t>
             </a:fld>
             <a:endParaRPr lang="en-US" sz="1400" b="1" i="0" dirty="0">
               <a:solidFill>
@@ -32151,7 +31687,7 @@
 </p:sld>
 </file>
 
-<file path=ppt/slides/slide12.xml><?xml version="1.0" encoding="utf-8"?>
+<file path=ppt/slides/slide11.xml><?xml version="1.0" encoding="utf-8"?>
 <p:sld xmlns:a="http://schemas.openxmlformats.org/drawingml/2006/main" xmlns:r="http://schemas.openxmlformats.org/officeDocument/2006/relationships" xmlns:p="http://schemas.openxmlformats.org/presentationml/2006/main">
   <p:cSld>
     <p:spTree>
@@ -32574,28 +32110,14 @@
                 <a:effectLst/>
                 <a:ea typeface="Calibri" panose="020F0502020204030204" pitchFamily="34" charset="0"/>
               </a:rPr>
-              <a:t>Išsiaiškinta, jog tokių programavimo mokymosi portalų, kuriuose kodo kompiliatorius būtų naršyklėje nėra daug. Todėl buvo nuspręsta, jog sistema turi būti kuriama, kurioje kodo kompiliavimas vyktų naršyklėje, jog nereikėtų atskiro serverio kodo kompiliavimui, o ir naudotojo sąsaja būtų lengvai suprantama ir aiški. Taip pat buvo pasirinkta programavimo kalba – </a:t>
-            </a:r>
-            <a:r>
-              <a:rPr lang="lt-LT" sz="2200" i="1" dirty="0" err="1">
-                <a:effectLst/>
-                <a:ea typeface="Calibri" panose="020F0502020204030204" pitchFamily="34" charset="0"/>
-              </a:rPr>
-              <a:t>Python</a:t>
-            </a:r>
-            <a:r>
-              <a:rPr lang="lt-LT" sz="2200" dirty="0">
-                <a:effectLst/>
-                <a:ea typeface="Calibri" panose="020F0502020204030204" pitchFamily="34" charset="0"/>
-              </a:rPr>
-              <a:t>, kuri šiuo metu sparčiai populiarėja ir vis daugiau žmonių nori šią programavimo kalbą išmokti</a:t>
+              <a:t>Išsiaiškinta, jog tokių programavimo mokymosi portalų, kuriuose kodo kompiliatorius būtų naršyklėje nėra daug. Todėl buvo nuspręsta, jog sistema turi būti kuriama, kurioje kodo kompiliavimas vyktų naršyklėje, jog nereikėtų atskiro serverio kodo kompiliavimui</a:t>
             </a:r>
             <a:r>
               <a:rPr lang="en-US" sz="2200" dirty="0">
                 <a:effectLst/>
                 <a:ea typeface="Calibri" panose="020F0502020204030204" pitchFamily="34" charset="0"/>
               </a:rPr>
-              <a:t>;</a:t>
+              <a:t>.</a:t>
             </a:r>
           </a:p>
           <a:p>
@@ -32614,113 +32136,17 @@
                 <a:effectLst/>
                 <a:ea typeface="Calibri" panose="020F0502020204030204" pitchFamily="34" charset="0"/>
               </a:rPr>
-              <a:t>Sistemai realizuoti buvo pasirinktas </a:t>
+              <a:t>Buvo apibrėžti pagrindiniai šios sistemos naudotojai – administratorius, mokytojas ir mokinys. Taip pat buvo apibrėžtos ir trys posistemės – mokymų, naudotojo ir elektroninės parduotuvės</a:t>
             </a:r>
             <a:r>
-              <a:rPr lang="lt-LT" sz="2200" i="1" dirty="0">
+              <a:rPr lang="en-US" sz="2200" dirty="0">
                 <a:effectLst/>
                 <a:ea typeface="Calibri" panose="020F0502020204030204" pitchFamily="34" charset="0"/>
               </a:rPr>
-              <a:t>.NET 6</a:t>
-            </a:r>
-            <a:r>
-              <a:rPr lang="lt-LT" sz="2200" dirty="0">
-                <a:effectLst/>
-                <a:ea typeface="Calibri" panose="020F0502020204030204" pitchFamily="34" charset="0"/>
-              </a:rPr>
-              <a:t> versijos karkasas, programavimui pasirinkta </a:t>
-            </a:r>
-            <a:r>
-              <a:rPr lang="lt-LT" sz="2200" i="1" dirty="0">
-                <a:effectLst/>
-                <a:ea typeface="Calibri" panose="020F0502020204030204" pitchFamily="34" charset="0"/>
-              </a:rPr>
-              <a:t>C#</a:t>
-            </a:r>
-            <a:r>
-              <a:rPr lang="lt-LT" sz="2200" dirty="0">
-                <a:effectLst/>
-                <a:ea typeface="Calibri" panose="020F0502020204030204" pitchFamily="34" charset="0"/>
-              </a:rPr>
-              <a:t> programavimo kalba. Naudotojo sąsaja buvo programuojama naudojant </a:t>
-            </a:r>
-            <a:r>
-              <a:rPr lang="lt-LT" sz="2200" i="1" dirty="0" err="1">
-                <a:effectLst/>
-                <a:ea typeface="Calibri" panose="020F0502020204030204" pitchFamily="34" charset="0"/>
-              </a:rPr>
-              <a:t>React</a:t>
-            </a:r>
-            <a:r>
-              <a:rPr lang="lt-LT" sz="2200" dirty="0">
-                <a:effectLst/>
-                <a:ea typeface="Calibri" panose="020F0502020204030204" pitchFamily="34" charset="0"/>
-              </a:rPr>
-              <a:t> biblioteką ir </a:t>
-            </a:r>
-            <a:r>
-              <a:rPr lang="lt-LT" sz="2200" i="1" dirty="0" err="1">
-                <a:effectLst/>
-                <a:ea typeface="Calibri" panose="020F0502020204030204" pitchFamily="34" charset="0"/>
-              </a:rPr>
-              <a:t>TypeScript</a:t>
-            </a:r>
-            <a:r>
-              <a:rPr lang="lt-LT" sz="2200" dirty="0">
-                <a:effectLst/>
-                <a:ea typeface="Calibri" panose="020F0502020204030204" pitchFamily="34" charset="0"/>
-              </a:rPr>
-              <a:t> programavimo kalbą. Pasirinkta duomenų bazė – </a:t>
-            </a:r>
-            <a:r>
-              <a:rPr lang="lt-LT" sz="2200" i="1" dirty="0">
-                <a:effectLst/>
-                <a:ea typeface="Calibri" panose="020F0502020204030204" pitchFamily="34" charset="0"/>
-              </a:rPr>
-              <a:t>MySQL</a:t>
-            </a:r>
-            <a:r>
-              <a:rPr lang="lt-LT" sz="2200" dirty="0">
-                <a:effectLst/>
-                <a:ea typeface="Calibri" panose="020F0502020204030204" pitchFamily="34" charset="0"/>
-              </a:rPr>
-              <a:t>, o duomenų bazės valdymo sistema – </a:t>
-            </a:r>
-            <a:r>
-              <a:rPr lang="lt-LT" sz="2200" i="1" dirty="0">
-                <a:effectLst/>
-                <a:ea typeface="Calibri" panose="020F0502020204030204" pitchFamily="34" charset="0"/>
-              </a:rPr>
-              <a:t>MySQL </a:t>
-            </a:r>
-            <a:r>
-              <a:rPr lang="lt-LT" sz="2200" i="1" dirty="0" err="1">
-                <a:effectLst/>
-                <a:ea typeface="Calibri" panose="020F0502020204030204" pitchFamily="34" charset="0"/>
-              </a:rPr>
-              <a:t>WorkBench</a:t>
-            </a:r>
-            <a:r>
-              <a:rPr lang="lt-LT" sz="2200" i="1" dirty="0">
-                <a:effectLst/>
-                <a:ea typeface="Calibri" panose="020F0502020204030204" pitchFamily="34" charset="0"/>
-              </a:rPr>
-              <a:t> 8.0 CE</a:t>
-            </a:r>
-            <a:r>
-              <a:rPr lang="lt-LT" sz="2200" dirty="0">
-                <a:effectLst/>
-                <a:ea typeface="Calibri" panose="020F0502020204030204" pitchFamily="34" charset="0"/>
-              </a:rPr>
-              <a:t>.</a:t>
-            </a:r>
-            <a:r>
-              <a:rPr lang="en-US" sz="2200" dirty="0">
-                <a:ea typeface="Calibri" panose="020F0502020204030204" pitchFamily="34" charset="0"/>
-              </a:rPr>
-              <a:t> </a:t>
+              <a:t>;</a:t>
             </a:r>
             <a:endParaRPr lang="lt-LT" sz="2200" dirty="0">
+              <a:effectLst/>
               <a:ea typeface="Calibri" panose="020F0502020204030204" pitchFamily="34" charset="0"/>
             </a:endParaRPr>
           </a:p>
@@ -32934,7 +32360,7 @@
                 <a:cs typeface="Arial" panose="020B0604020202020204" pitchFamily="34" charset="0"/>
               </a:rPr>
               <a:pPr algn="ctr"/>
-              <a:t>12</a:t>
+              <a:t>11</a:t>
             </a:fld>
             <a:endParaRPr lang="en-US" sz="1400" b="1" i="0" dirty="0">
               <a:solidFill>
@@ -32960,7 +32386,7 @@
 </p:sld>
 </file>
 
-<file path=ppt/slides/slide13.xml><?xml version="1.0" encoding="utf-8"?>
+<file path=ppt/slides/slide12.xml><?xml version="1.0" encoding="utf-8"?>
 <p:sld xmlns:a="http://schemas.openxmlformats.org/drawingml/2006/main" xmlns:r="http://schemas.openxmlformats.org/officeDocument/2006/relationships" xmlns:p="http://schemas.openxmlformats.org/presentationml/2006/main">
   <p:cSld>
     <p:spTree>
@@ -33383,14 +32809,111 @@
                 <a:effectLst/>
                 <a:ea typeface="Calibri" panose="020F0502020204030204" pitchFamily="34" charset="0"/>
               </a:rPr>
-              <a:t>Buvo apibrėžti pagrindiniai šios sistemos naudotojai – administratorius, mokytojas ir mokinys. Taip pat buvo apibrėžtos ir trys posistemės – mokymų, naudotojo ir elektroninės parduotuvės</a:t>
+              <a:t>Sistemai realizuoti buvo pasirinktas </a:t>
             </a:r>
             <a:r>
-              <a:rPr lang="en-US" sz="2200" dirty="0">
+              <a:rPr lang="lt-LT" sz="2200" i="1" dirty="0">
                 <a:effectLst/>
                 <a:ea typeface="Calibri" panose="020F0502020204030204" pitchFamily="34" charset="0"/>
               </a:rPr>
-              <a:t>;</a:t>
+              <a:t>.NET 6</a:t>
+            </a:r>
+            <a:r>
+              <a:rPr lang="lt-LT" sz="2200" dirty="0">
+                <a:effectLst/>
+                <a:ea typeface="Calibri" panose="020F0502020204030204" pitchFamily="34" charset="0"/>
+              </a:rPr>
+              <a:t> versijos karkasas, programavimui pasirinkta </a:t>
+            </a:r>
+            <a:r>
+              <a:rPr lang="lt-LT" sz="2200" i="1" dirty="0">
+                <a:effectLst/>
+                <a:ea typeface="Calibri" panose="020F0502020204030204" pitchFamily="34" charset="0"/>
+              </a:rPr>
+              <a:t>C#</a:t>
+            </a:r>
+            <a:r>
+              <a:rPr lang="lt-LT" sz="2200" dirty="0">
+                <a:effectLst/>
+                <a:ea typeface="Calibri" panose="020F0502020204030204" pitchFamily="34" charset="0"/>
+              </a:rPr>
+              <a:t> programavimo kalba. Naudotojo sąsaja buvo programuojama naudojant </a:t>
+            </a:r>
+            <a:r>
+              <a:rPr lang="lt-LT" sz="2200" i="1" dirty="0" err="1">
+                <a:effectLst/>
+                <a:ea typeface="Calibri" panose="020F0502020204030204" pitchFamily="34" charset="0"/>
+              </a:rPr>
+              <a:t>React</a:t>
+            </a:r>
+            <a:r>
+              <a:rPr lang="lt-LT" sz="2200" dirty="0">
+                <a:effectLst/>
+                <a:ea typeface="Calibri" panose="020F0502020204030204" pitchFamily="34" charset="0"/>
+              </a:rPr>
+              <a:t> biblioteką ir </a:t>
+            </a:r>
+            <a:r>
+              <a:rPr lang="lt-LT" sz="2200" i="1" dirty="0" err="1">
+                <a:effectLst/>
+                <a:ea typeface="Calibri" panose="020F0502020204030204" pitchFamily="34" charset="0"/>
+              </a:rPr>
+              <a:t>TypeScript</a:t>
+            </a:r>
+            <a:r>
+              <a:rPr lang="lt-LT" sz="2200" dirty="0">
+                <a:effectLst/>
+                <a:ea typeface="Calibri" panose="020F0502020204030204" pitchFamily="34" charset="0"/>
+              </a:rPr>
+              <a:t> programavimo kalbą. Pasirinkta duomenų bazė – </a:t>
+            </a:r>
+            <a:r>
+              <a:rPr lang="lt-LT" sz="2200" i="1" dirty="0">
+                <a:effectLst/>
+                <a:ea typeface="Calibri" panose="020F0502020204030204" pitchFamily="34" charset="0"/>
+              </a:rPr>
+              <a:t>MySQL</a:t>
+            </a:r>
+            <a:r>
+              <a:rPr lang="lt-LT" sz="2200" dirty="0">
+                <a:effectLst/>
+                <a:ea typeface="Calibri" panose="020F0502020204030204" pitchFamily="34" charset="0"/>
+              </a:rPr>
+              <a:t>, o duomenų bazės valdymo sistema – </a:t>
+            </a:r>
+            <a:r>
+              <a:rPr lang="lt-LT" sz="2200" i="1" dirty="0">
+                <a:effectLst/>
+                <a:ea typeface="Calibri" panose="020F0502020204030204" pitchFamily="34" charset="0"/>
+              </a:rPr>
+              <a:t>MySQL </a:t>
+            </a:r>
+            <a:r>
+              <a:rPr lang="lt-LT" sz="2200" i="1" dirty="0" err="1">
+                <a:effectLst/>
+                <a:ea typeface="Calibri" panose="020F0502020204030204" pitchFamily="34" charset="0"/>
+              </a:rPr>
+              <a:t>WorkBench</a:t>
+            </a:r>
+            <a:r>
+              <a:rPr lang="lt-LT" sz="2200" i="1" dirty="0">
+                <a:effectLst/>
+                <a:ea typeface="Calibri" panose="020F0502020204030204" pitchFamily="34" charset="0"/>
+              </a:rPr>
+              <a:t> 8.0 CE</a:t>
+            </a:r>
+            <a:r>
+              <a:rPr lang="lt-LT" sz="2200" dirty="0">
+                <a:effectLst/>
+                <a:ea typeface="Calibri" panose="020F0502020204030204" pitchFamily="34" charset="0"/>
+              </a:rPr>
+              <a:t>. Sistemos realizacijai parašyta apie 9 tūkst. </a:t>
+            </a:r>
+            <a:r>
+              <a:rPr lang="lt-LT" sz="2200" dirty="0">
+                <a:ea typeface="Calibri" panose="020F0502020204030204" pitchFamily="34" charset="0"/>
+              </a:rPr>
+              <a:t>kodo eilučių.</a:t>
             </a:r>
             <a:endParaRPr lang="lt-LT" sz="2200" dirty="0">
               <a:effectLst/>
@@ -33463,6 +32986,18 @@
               </a:rPr>
               <a:t>;</a:t>
             </a:r>
+          </a:p>
+          <a:p>
+            <a:pPr marL="457200" indent="-457200">
+              <a:spcBef>
+                <a:spcPts val="1000"/>
+              </a:spcBef>
+              <a:spcAft>
+                <a:spcPts val="1000"/>
+              </a:spcAft>
+              <a:buFont typeface="+mj-lt"/>
+              <a:buAutoNum type="arabicPeriod" startAt="3"/>
+            </a:pPr>
             <a:endParaRPr lang="lt-LT" sz="2200" dirty="0">
               <a:effectLst/>
               <a:ea typeface="Calibri" panose="020F0502020204030204" pitchFamily="34" charset="0"/>
@@ -33662,7 +33197,7 @@
                 <a:cs typeface="Arial" panose="020B0604020202020204" pitchFamily="34" charset="0"/>
               </a:rPr>
               <a:pPr algn="ctr"/>
-              <a:t>13</a:t>
+              <a:t>12</a:t>
             </a:fld>
             <a:endParaRPr lang="en-US" sz="1400" b="1" i="0" dirty="0">
               <a:solidFill>
@@ -33688,7 +33223,7 @@
 </p:sld>
 </file>
 
-<file path=ppt/slides/slide14.xml><?xml version="1.0" encoding="utf-8"?>
+<file path=ppt/slides/slide13.xml><?xml version="1.0" encoding="utf-8"?>
 <p:sld xmlns:a="http://schemas.openxmlformats.org/drawingml/2006/main" xmlns:r="http://schemas.openxmlformats.org/officeDocument/2006/relationships" xmlns:p="http://schemas.openxmlformats.org/presentationml/2006/main">
   <p:cSld>
     <p:spTree>
@@ -33919,7 +33454,7 @@
         </p:nvSpPr>
         <p:spPr>
           <a:xfrm>
-            <a:off x="639930" y="1782576"/>
+            <a:off x="639930" y="1664887"/>
             <a:ext cx="9828212" cy="4704487"/>
           </a:xfrm>
           <a:prstGeom prst="rect">
@@ -34096,12 +33631,15 @@
             </a:lvl9pPr>
           </a:lstStyle>
           <a:p>
-            <a:pPr marL="457200" indent="-457200">
+            <a:pPr marL="457200" marR="0" lvl="0" indent="-457200" algn="just">
+              <a:lnSpc>
+                <a:spcPct val="115000"/>
+              </a:lnSpc>
               <a:spcBef>
-                <a:spcPts val="1000"/>
+                <a:spcPts val="0"/>
               </a:spcBef>
               <a:spcAft>
-                <a:spcPts val="1000"/>
+                <a:spcPts val="0"/>
               </a:spcAft>
               <a:buFont typeface="+mj-lt"/>
               <a:buAutoNum type="arabicPeriod" startAt="5"/>
@@ -34111,7 +33649,38 @@
                 <a:effectLst/>
                 <a:ea typeface="Calibri" panose="020F0502020204030204" pitchFamily="34" charset="0"/>
               </a:rPr>
-              <a:t>Sistema sėkmingai realizuota. Mokytojas gali kurti temas, potemes, uždavinius bei administruoti mokinius. Mokinys gali rašyti kodą </a:t>
+              <a:t>Sistema sėkmingai realizuota. </a:t>
+            </a:r>
+            <a:r>
+              <a:rPr lang="en-US" sz="2200" dirty="0" err="1">
+                <a:ea typeface="Calibri" panose="020F0502020204030204" pitchFamily="34" charset="0"/>
+              </a:rPr>
+              <a:t>Kodo</a:t>
+            </a:r>
+            <a:r>
+              <a:rPr lang="en-US" sz="2200" dirty="0">
+                <a:ea typeface="Calibri" panose="020F0502020204030204" pitchFamily="34" charset="0"/>
+              </a:rPr>
+              <a:t> </a:t>
+            </a:r>
+            <a:r>
+              <a:rPr lang="en-US" sz="2200" dirty="0" err="1">
+                <a:ea typeface="Calibri" panose="020F0502020204030204" pitchFamily="34" charset="0"/>
+              </a:rPr>
+              <a:t>ra</a:t>
+            </a:r>
+            <a:r>
+              <a:rPr lang="lt-LT" sz="2200" dirty="0" err="1">
+                <a:ea typeface="Calibri" panose="020F0502020204030204" pitchFamily="34" charset="0"/>
+              </a:rPr>
+              <a:t>šymas</a:t>
+            </a:r>
+            <a:r>
+              <a:rPr lang="lt-LT" sz="2200" dirty="0">
+                <a:effectLst/>
+                <a:ea typeface="Calibri" panose="020F0502020204030204" pitchFamily="34" charset="0"/>
+              </a:rPr>
+              <a:t> </a:t>
             </a:r>
             <a:r>
               <a:rPr lang="lt-LT" sz="2200" i="1" dirty="0" err="1">
@@ -34125,7 +33694,21 @@
                 <a:effectLst/>
                 <a:ea typeface="Calibri" panose="020F0502020204030204" pitchFamily="34" charset="0"/>
               </a:rPr>
-              <a:t> programavimo kalba pačioje naršyklėje, vykdyti kodo kompiliavimą naršyklėje bei gauti automatini grįžtamąjį ryšį. Administratorius yra atsakingas už elektroninės parduotuvės administravimą. Kodo kompiliavimas naršyklėje suteikia galimybę tai daryti be papildomo serverio, tačiau vienas iš minusų - neįmanoma skaityti duomenis iš failo bei spausdinti rezultatus į failą.</a:t>
+              <a:t> programavimo kalba vyksta pačioje sistemoje.</a:t>
+            </a:r>
+            <a:r>
+              <a:rPr lang="en-US" sz="2200" dirty="0">
+                <a:effectLst/>
+                <a:ea typeface="Calibri" panose="020F0502020204030204" pitchFamily="34" charset="0"/>
+              </a:rPr>
+              <a:t> </a:t>
+            </a:r>
+            <a:r>
+              <a:rPr lang="lt-LT" sz="2200" dirty="0">
+                <a:effectLst/>
+                <a:ea typeface="Calibri" panose="020F0502020204030204" pitchFamily="34" charset="0"/>
+              </a:rPr>
+              <a:t>Kodo kompiliavimas naršyklėje suteikia galimybę tai daryti be papildomo serverio, tačiau vienas iš ateityje galimų patobulinimų tai, jog būtų įmanoma skaityti duomenis iš failo bei spausdinti rezultatus į failą.</a:t>
             </a:r>
             <a:endParaRPr lang="en-US" sz="2200" dirty="0">
               <a:effectLst/>
@@ -34326,7 +33909,7 @@
                 <a:cs typeface="Arial" panose="020B0604020202020204" pitchFamily="34" charset="0"/>
               </a:rPr>
               <a:pPr algn="ctr"/>
-              <a:t>14</a:t>
+              <a:t>13</a:t>
             </a:fld>
             <a:endParaRPr lang="en-US" sz="1400" b="1" i="0" dirty="0">
               <a:solidFill>
@@ -34342,7 +33925,7 @@
     </p:spTree>
     <p:extLst>
       <p:ext uri="{BB962C8B-B14F-4D97-AF65-F5344CB8AC3E}">
-        <p14:creationId xmlns:p14="http://schemas.microsoft.com/office/powerpoint/2010/main" val="387570567"/>
+        <p14:creationId xmlns:p14="http://schemas.microsoft.com/office/powerpoint/2010/main" val="552067161"/>
       </p:ext>
     </p:extLst>
   </p:cSld>
@@ -35107,7 +34690,27 @@
                 <a:effectLst/>
                 <a:ea typeface="Calibri" panose="020F0502020204030204" pitchFamily="34" charset="0"/>
               </a:rPr>
-              <a:t>Realizuoti bei ištestuoti mokymosi portalą remiantis sudarytu projektu;</a:t>
+              <a:t>Realizuoti bei ištestuoti mokymosi portal</a:t>
+            </a:r>
+            <a:r>
+              <a:rPr lang="lt-LT" sz="2200" dirty="0">
+                <a:ea typeface="Calibri" panose="020F0502020204030204" pitchFamily="34" charset="0"/>
+              </a:rPr>
+              <a:t>ą</a:t>
+            </a:r>
+            <a:r>
+              <a:rPr lang="en-US" sz="2200" dirty="0">
+                <a:effectLst/>
+                <a:ea typeface="Calibri" panose="020F0502020204030204" pitchFamily="34" charset="0"/>
+              </a:rPr>
+              <a:t>,</a:t>
+            </a:r>
+            <a:r>
+              <a:rPr lang="lt-LT" sz="2200" dirty="0">
+                <a:effectLst/>
+                <a:ea typeface="Calibri" panose="020F0502020204030204" pitchFamily="34" charset="0"/>
+              </a:rPr>
+              <a:t> remiantis sudarytu projektu;</a:t>
             </a:r>
             <a:endParaRPr lang="en-US" sz="2200" dirty="0">
               <a:effectLst/>
@@ -39525,6 +39128,10 @@
               <a:rPr lang="lt-LT" sz="2200" dirty="0"/>
               <a:t>.</a:t>
             </a:r>
+            <a:endParaRPr lang="en-US" sz="2200" dirty="0"/>
+          </a:p>
+          <a:p>
+            <a:endParaRPr lang="en-US" sz="2200" dirty="0"/>
           </a:p>
           <a:p>
             <a:pPr marL="342900" indent="-342900">
@@ -40515,8 +40122,8 @@
         </p:blipFill>
         <p:spPr>
           <a:xfrm>
-            <a:off x="2811104" y="1714618"/>
-            <a:ext cx="6569792" cy="4771586"/>
+            <a:off x="2712781" y="1541725"/>
+            <a:ext cx="7306290" cy="5306498"/>
           </a:xfrm>
           <a:prstGeom prst="rect">
             <a:avLst/>
@@ -40978,8 +40585,8 @@
         </p:blipFill>
         <p:spPr>
           <a:xfrm>
-            <a:off x="2391909" y="1760895"/>
-            <a:ext cx="7408182" cy="4820161"/>
+            <a:off x="2212068" y="1541725"/>
+            <a:ext cx="8082305" cy="5258782"/>
           </a:xfrm>
           <a:prstGeom prst="rect">
             <a:avLst/>
